--- a/presentations/Vyuzitie LLM pre pravne dokumenty.pptx
+++ b/presentations/Vyuzitie LLM pre pravne dokumenty.pptx
@@ -5,17 +5,16 @@
     <p:sldMasterId id="2147483648" r:id="rId4"/>
   </p:sldMasterIdLst>
   <p:notesMasterIdLst>
-    <p:notesMasterId r:id="rId13"/>
+    <p:notesMasterId r:id="rId12"/>
   </p:notesMasterIdLst>
   <p:sldIdLst>
     <p:sldId id="256" r:id="rId5"/>
     <p:sldId id="259" r:id="rId6"/>
     <p:sldId id="258" r:id="rId7"/>
-    <p:sldId id="260" r:id="rId8"/>
-    <p:sldId id="262" r:id="rId9"/>
-    <p:sldId id="261" r:id="rId10"/>
-    <p:sldId id="267" r:id="rId11"/>
-    <p:sldId id="266" r:id="rId12"/>
+    <p:sldId id="269" r:id="rId8"/>
+    <p:sldId id="268" r:id="rId9"/>
+    <p:sldId id="267" r:id="rId10"/>
+    <p:sldId id="266" r:id="rId11"/>
   </p:sldIdLst>
   <p:sldSz cx="12192000" cy="6858000"/>
   <p:notesSz cx="6858000" cy="9144000"/>
@@ -571,7 +570,13 @@
   <p:cSld>
     <p:spTree>
       <p:nvGrpSpPr>
-        <p:cNvPr id="1" name=""/>
+        <p:cNvPr id="1" name="">
+          <a:extLst>
+            <a:ext uri="{FF2B5EF4-FFF2-40B4-BE49-F238E27FC236}">
+              <a16:creationId xmlns:a16="http://schemas.microsoft.com/office/drawing/2014/main" id="{D4499A7C-7963-EEC9-16BF-703D2B43C51C}"/>
+            </a:ext>
+          </a:extLst>
+        </p:cNvPr>
         <p:cNvGrpSpPr/>
         <p:nvPr/>
       </p:nvGrpSpPr>
@@ -585,7 +590,13 @@
       </p:grpSpPr>
       <p:sp>
         <p:nvSpPr>
-          <p:cNvPr id="2" name="Zástupný symbol obrazu snímky 1"/>
+          <p:cNvPr id="2" name="Zástupný symbol obrazu snímky 1">
+            <a:extLst>
+              <a:ext uri="{FF2B5EF4-FFF2-40B4-BE49-F238E27FC236}">
+                <a16:creationId xmlns:a16="http://schemas.microsoft.com/office/drawing/2014/main" id="{D01702A8-BAB1-4D2D-DD9D-76A87A2951C8}"/>
+              </a:ext>
+            </a:extLst>
+          </p:cNvPr>
           <p:cNvSpPr>
             <a:spLocks noGrp="1" noRot="1" noChangeAspect="1"/>
           </p:cNvSpPr>
@@ -597,7 +608,13 @@
       </p:sp>
       <p:sp>
         <p:nvSpPr>
-          <p:cNvPr id="3" name="Zástupný symbol poznámok 2"/>
+          <p:cNvPr id="3" name="Zástupný symbol poznámok 2">
+            <a:extLst>
+              <a:ext uri="{FF2B5EF4-FFF2-40B4-BE49-F238E27FC236}">
+                <a16:creationId xmlns:a16="http://schemas.microsoft.com/office/drawing/2014/main" id="{7EB702F0-A263-3173-96A8-4FAF7D95810B}"/>
+              </a:ext>
+            </a:extLst>
+          </p:cNvPr>
           <p:cNvSpPr>
             <a:spLocks noGrp="1"/>
           </p:cNvSpPr>
@@ -616,7 +633,121 @@
       </p:sp>
       <p:sp>
         <p:nvSpPr>
-          <p:cNvPr id="4" name="Zástupný symbol čísla snímky 3"/>
+          <p:cNvPr id="4" name="Zástupný symbol čísla snímky 3">
+            <a:extLst>
+              <a:ext uri="{FF2B5EF4-FFF2-40B4-BE49-F238E27FC236}">
+                <a16:creationId xmlns:a16="http://schemas.microsoft.com/office/drawing/2014/main" id="{3B1B5875-6798-9605-10D7-A41E9F58DEFC}"/>
+              </a:ext>
+            </a:extLst>
+          </p:cNvPr>
+          <p:cNvSpPr>
+            <a:spLocks noGrp="1"/>
+          </p:cNvSpPr>
+          <p:nvPr>
+            <p:ph type="sldNum" sz="quarter" idx="10"/>
+          </p:nvPr>
+        </p:nvSpPr>
+        <p:spPr/>
+        <p:txBody>
+          <a:bodyPr/>
+          <a:lstStyle/>
+          <a:p>
+            <a:fld id="{84135ECD-55A6-4BF2-B99C-0F5C455EB57A}" type="slidenum">
+              <a:rPr lang="sk-SK" smtClean="0"/>
+              <a:t>4</a:t>
+            </a:fld>
+            <a:endParaRPr lang="sk-SK"/>
+          </a:p>
+        </p:txBody>
+      </p:sp>
+    </p:spTree>
+    <p:extLst>
+      <p:ext uri="{BB962C8B-B14F-4D97-AF65-F5344CB8AC3E}">
+        <p14:creationId xmlns:p14="http://schemas.microsoft.com/office/powerpoint/2010/main" val="3025333382"/>
+      </p:ext>
+    </p:extLst>
+  </p:cSld>
+  <p:clrMapOvr>
+    <a:masterClrMapping/>
+  </p:clrMapOvr>
+</p:notes>
+</file>
+
+<file path=ppt/notesSlides/notesSlide3.xml><?xml version="1.0" encoding="utf-8"?>
+<p:notes xmlns:a="http://schemas.openxmlformats.org/drawingml/2006/main" xmlns:r="http://schemas.openxmlformats.org/officeDocument/2006/relationships" xmlns:p="http://schemas.openxmlformats.org/presentationml/2006/main">
+  <p:cSld>
+    <p:spTree>
+      <p:nvGrpSpPr>
+        <p:cNvPr id="1" name="">
+          <a:extLst>
+            <a:ext uri="{FF2B5EF4-FFF2-40B4-BE49-F238E27FC236}">
+              <a16:creationId xmlns:a16="http://schemas.microsoft.com/office/drawing/2014/main" id="{382DABDF-EC08-B9D5-CA2C-E566A3508368}"/>
+            </a:ext>
+          </a:extLst>
+        </p:cNvPr>
+        <p:cNvGrpSpPr/>
+        <p:nvPr/>
+      </p:nvGrpSpPr>
+      <p:grpSpPr>
+        <a:xfrm>
+          <a:off x="0" y="0"/>
+          <a:ext cx="0" cy="0"/>
+          <a:chOff x="0" y="0"/>
+          <a:chExt cx="0" cy="0"/>
+        </a:xfrm>
+      </p:grpSpPr>
+      <p:sp>
+        <p:nvSpPr>
+          <p:cNvPr id="2" name="Zástupný symbol obrazu snímky 1">
+            <a:extLst>
+              <a:ext uri="{FF2B5EF4-FFF2-40B4-BE49-F238E27FC236}">
+                <a16:creationId xmlns:a16="http://schemas.microsoft.com/office/drawing/2014/main" id="{6120677D-BD94-F1F8-0CD1-FA30C47C989C}"/>
+              </a:ext>
+            </a:extLst>
+          </p:cNvPr>
+          <p:cNvSpPr>
+            <a:spLocks noGrp="1" noRot="1" noChangeAspect="1"/>
+          </p:cNvSpPr>
+          <p:nvPr>
+            <p:ph type="sldImg"/>
+          </p:nvPr>
+        </p:nvSpPr>
+        <p:spPr/>
+      </p:sp>
+      <p:sp>
+        <p:nvSpPr>
+          <p:cNvPr id="3" name="Zástupný symbol poznámok 2">
+            <a:extLst>
+              <a:ext uri="{FF2B5EF4-FFF2-40B4-BE49-F238E27FC236}">
+                <a16:creationId xmlns:a16="http://schemas.microsoft.com/office/drawing/2014/main" id="{2E6AB33A-E53E-68FB-F42F-3DEA7AA4F3BD}"/>
+              </a:ext>
+            </a:extLst>
+          </p:cNvPr>
+          <p:cNvSpPr>
+            <a:spLocks noGrp="1"/>
+          </p:cNvSpPr>
+          <p:nvPr>
+            <p:ph type="body" idx="1"/>
+          </p:nvPr>
+        </p:nvSpPr>
+        <p:spPr/>
+        <p:txBody>
+          <a:bodyPr/>
+          <a:lstStyle/>
+          <a:p>
+            <a:endParaRPr lang="sk-SK"/>
+          </a:p>
+        </p:txBody>
+      </p:sp>
+      <p:sp>
+        <p:nvSpPr>
+          <p:cNvPr id="4" name="Zástupný symbol čísla snímky 3">
+            <a:extLst>
+              <a:ext uri="{FF2B5EF4-FFF2-40B4-BE49-F238E27FC236}">
+                <a16:creationId xmlns:a16="http://schemas.microsoft.com/office/drawing/2014/main" id="{705AB26E-679F-D3D2-BA62-88EE4A8B2A9C}"/>
+              </a:ext>
+            </a:extLst>
+          </p:cNvPr>
           <p:cNvSpPr>
             <a:spLocks noGrp="1"/>
           </p:cNvSpPr>
@@ -640,7 +771,115 @@
     </p:spTree>
     <p:extLst>
       <p:ext uri="{BB962C8B-B14F-4D97-AF65-F5344CB8AC3E}">
-        <p14:creationId xmlns:p14="http://schemas.microsoft.com/office/powerpoint/2010/main" val="924622796"/>
+        <p14:creationId xmlns:p14="http://schemas.microsoft.com/office/powerpoint/2010/main" val="1346604010"/>
+      </p:ext>
+    </p:extLst>
+  </p:cSld>
+  <p:clrMapOvr>
+    <a:masterClrMapping/>
+  </p:clrMapOvr>
+</p:notes>
+</file>
+
+<file path=ppt/notesSlides/notesSlide4.xml><?xml version="1.0" encoding="utf-8"?>
+<p:notes xmlns:a="http://schemas.openxmlformats.org/drawingml/2006/main" xmlns:r="http://schemas.openxmlformats.org/officeDocument/2006/relationships" xmlns:p="http://schemas.openxmlformats.org/presentationml/2006/main">
+  <p:cSld>
+    <p:spTree>
+      <p:nvGrpSpPr>
+        <p:cNvPr id="1" name="">
+          <a:extLst>
+            <a:ext uri="{FF2B5EF4-FFF2-40B4-BE49-F238E27FC236}">
+              <a16:creationId xmlns:a16="http://schemas.microsoft.com/office/drawing/2014/main" id="{7DF1D189-04D2-2B4E-618F-93FD1960CBB2}"/>
+            </a:ext>
+          </a:extLst>
+        </p:cNvPr>
+        <p:cNvGrpSpPr/>
+        <p:nvPr/>
+      </p:nvGrpSpPr>
+      <p:grpSpPr>
+        <a:xfrm>
+          <a:off x="0" y="0"/>
+          <a:ext cx="0" cy="0"/>
+          <a:chOff x="0" y="0"/>
+          <a:chExt cx="0" cy="0"/>
+        </a:xfrm>
+      </p:grpSpPr>
+      <p:sp>
+        <p:nvSpPr>
+          <p:cNvPr id="2" name="Zástupný symbol obrazu snímky 1">
+            <a:extLst>
+              <a:ext uri="{FF2B5EF4-FFF2-40B4-BE49-F238E27FC236}">
+                <a16:creationId xmlns:a16="http://schemas.microsoft.com/office/drawing/2014/main" id="{C973E99F-EE9C-6A18-7C22-DAB45943F70B}"/>
+              </a:ext>
+            </a:extLst>
+          </p:cNvPr>
+          <p:cNvSpPr>
+            <a:spLocks noGrp="1" noRot="1" noChangeAspect="1"/>
+          </p:cNvSpPr>
+          <p:nvPr>
+            <p:ph type="sldImg"/>
+          </p:nvPr>
+        </p:nvSpPr>
+        <p:spPr/>
+      </p:sp>
+      <p:sp>
+        <p:nvSpPr>
+          <p:cNvPr id="3" name="Zástupný symbol poznámok 2">
+            <a:extLst>
+              <a:ext uri="{FF2B5EF4-FFF2-40B4-BE49-F238E27FC236}">
+                <a16:creationId xmlns:a16="http://schemas.microsoft.com/office/drawing/2014/main" id="{8CC5554B-8A5C-DFB1-8ED4-221E19E7D8DA}"/>
+              </a:ext>
+            </a:extLst>
+          </p:cNvPr>
+          <p:cNvSpPr>
+            <a:spLocks noGrp="1"/>
+          </p:cNvSpPr>
+          <p:nvPr>
+            <p:ph type="body" idx="1"/>
+          </p:nvPr>
+        </p:nvSpPr>
+        <p:spPr/>
+        <p:txBody>
+          <a:bodyPr/>
+          <a:lstStyle/>
+          <a:p>
+            <a:endParaRPr lang="sk-SK"/>
+          </a:p>
+        </p:txBody>
+      </p:sp>
+      <p:sp>
+        <p:nvSpPr>
+          <p:cNvPr id="4" name="Zástupný symbol čísla snímky 3">
+            <a:extLst>
+              <a:ext uri="{FF2B5EF4-FFF2-40B4-BE49-F238E27FC236}">
+                <a16:creationId xmlns:a16="http://schemas.microsoft.com/office/drawing/2014/main" id="{C510BFD2-0C3E-0C9A-B2BC-471B601A2851}"/>
+              </a:ext>
+            </a:extLst>
+          </p:cNvPr>
+          <p:cNvSpPr>
+            <a:spLocks noGrp="1"/>
+          </p:cNvSpPr>
+          <p:nvPr>
+            <p:ph type="sldNum" sz="quarter" idx="10"/>
+          </p:nvPr>
+        </p:nvSpPr>
+        <p:spPr/>
+        <p:txBody>
+          <a:bodyPr/>
+          <a:lstStyle/>
+          <a:p>
+            <a:fld id="{84135ECD-55A6-4BF2-B99C-0F5C455EB57A}" type="slidenum">
+              <a:rPr lang="sk-SK" smtClean="0"/>
+              <a:t>6</a:t>
+            </a:fld>
+            <a:endParaRPr lang="sk-SK"/>
+          </a:p>
+        </p:txBody>
+      </p:sp>
+    </p:spTree>
+    <p:extLst>
+      <p:ext uri="{BB962C8B-B14F-4D97-AF65-F5344CB8AC3E}">
+        <p14:creationId xmlns:p14="http://schemas.microsoft.com/office/powerpoint/2010/main" val="1503314538"/>
       </p:ext>
     </p:extLst>
   </p:cSld>
@@ -3535,7 +3774,7 @@
                   <a:srgbClr val="264D99"/>
                 </a:solidFill>
               </a:rPr>
-              <a:t>Názov bakalárskej práce</a:t>
+              <a:t>Využitie LLM pre právne dokumenty</a:t>
             </a:r>
           </a:p>
         </p:txBody>
@@ -3580,7 +3819,7 @@
         <p:spPr>
           <a:xfrm>
             <a:off x="447041" y="5079075"/>
-            <a:ext cx="8164944" cy="1200329"/>
+            <a:ext cx="8164944" cy="646331"/>
           </a:xfrm>
           <a:prstGeom prst="rect">
             <a:avLst/>
@@ -3595,47 +3834,13 @@
           <a:p>
             <a:r>
               <a:rPr lang="sk-SK" dirty="0"/>
-              <a:t>Autor: </a:t>
-            </a:r>
-            <a:r>
-              <a:rPr lang="sk-SK" dirty="0">
-                <a:solidFill>
-                  <a:srgbClr val="FF0000"/>
-                </a:solidFill>
-              </a:rPr>
-              <a:t>meno, priezvisko </a:t>
+              <a:t>Autor: Samuel Bagín</a:t>
             </a:r>
           </a:p>
           <a:p>
             <a:r>
               <a:rPr lang="sk-SK" dirty="0"/>
-              <a:t>Vedúci bakalárskej práce: </a:t>
-            </a:r>
-            <a:r>
-              <a:rPr lang="sk-SK" dirty="0">
-                <a:solidFill>
-                  <a:srgbClr val="FF0000"/>
-                </a:solidFill>
-              </a:rPr>
-              <a:t>titul, meno, priezvisko</a:t>
-            </a:r>
-            <a:r>
-              <a:rPr lang="sk-SK" dirty="0"/>
-              <a:t>, ÚEAE FEI STU </a:t>
-            </a:r>
-          </a:p>
-          <a:p>
-            <a:r>
-              <a:rPr lang="sk-SK" dirty="0"/>
-              <a:t>Konzultant bakalárskej práce: </a:t>
-            </a:r>
-            <a:r>
-              <a:rPr lang="sk-SK" dirty="0">
-                <a:solidFill>
-                  <a:srgbClr val="FF0000"/>
-                </a:solidFill>
-              </a:rPr>
-              <a:t>titul, meno, priezvisko, pracovisko (ak BP má konzultanta)</a:t>
+              <a:t>Vedúci bakalárskej práce: Ing. Marek Vančo, PhD.</a:t>
             </a:r>
           </a:p>
         </p:txBody>
@@ -3690,10 +3895,10 @@
       </p:sp>
       <p:pic>
         <p:nvPicPr>
-          <p:cNvPr id="8" name="Obrázok 7" descr="Obrázok, na ktorom je text, písmo, snímka obrazovky, grafika&#10;&#10;Automaticky generovaný popis">
+          <p:cNvPr id="14" name="Picture 13">
             <a:extLst>
               <a:ext uri="{FF2B5EF4-FFF2-40B4-BE49-F238E27FC236}">
-                <a16:creationId xmlns:a16="http://schemas.microsoft.com/office/drawing/2014/main" id="{5E7BD290-7E33-28E7-A6B8-06429101F67F}"/>
+                <a16:creationId xmlns:a16="http://schemas.microsoft.com/office/drawing/2014/main" id="{6CA99189-5559-D39E-06AB-6E542E9B3F0C}"/>
               </a:ext>
             </a:extLst>
           </p:cNvPr>
@@ -3703,7 +3908,7 @@
           <p:nvPr/>
         </p:nvPicPr>
         <p:blipFill>
-          <a:blip r:embed="rId2" cstate="print">
+          <a:blip r:embed="rId2">
             <a:extLst>
               <a:ext uri="{28A0092B-C50C-407E-A947-70E740481C1C}">
                 <a14:useLocalDpi xmlns:a14="http://schemas.microsoft.com/office/drawing/2010/main" val="0"/>
@@ -3716,8 +3921,8 @@
         </p:blipFill>
         <p:spPr>
           <a:xfrm>
-            <a:off x="9286319" y="0"/>
-            <a:ext cx="2905681" cy="2387600"/>
+            <a:off x="9931400" y="0"/>
+            <a:ext cx="2260600" cy="1295400"/>
           </a:xfrm>
           <a:prstGeom prst="rect">
             <a:avLst/>
@@ -3796,14 +4001,332 @@
           <a:bodyPr/>
           <a:lstStyle/>
           <a:p>
-            <a:r>
-              <a:rPr lang="sk-SK" dirty="0">
-                <a:solidFill>
-                  <a:srgbClr val="FF0000"/>
-                </a:solidFill>
-              </a:rPr>
-              <a:t>Uveďte zadanie BP.</a:t>
-            </a:r>
+            <a:pPr marL="0" indent="0">
+              <a:buNone/>
+            </a:pPr>
+            <a:r>
+              <a:rPr lang="en-US" dirty="0" err="1"/>
+              <a:t>Cieľom</a:t>
+            </a:r>
+            <a:r>
+              <a:rPr lang="en-US" dirty="0"/>
+              <a:t> je </a:t>
+            </a:r>
+            <a:r>
+              <a:rPr lang="en-US" dirty="0" err="1"/>
+              <a:t>vytvoriť</a:t>
+            </a:r>
+            <a:r>
+              <a:rPr lang="en-US" dirty="0"/>
+              <a:t> AI </a:t>
+            </a:r>
+            <a:r>
+              <a:rPr lang="en-US" dirty="0" err="1"/>
+              <a:t>systém</a:t>
+            </a:r>
+            <a:r>
+              <a:rPr lang="en-US" dirty="0"/>
+              <a:t> </a:t>
+            </a:r>
+            <a:r>
+              <a:rPr lang="en-US" dirty="0" err="1"/>
+              <a:t>na</a:t>
+            </a:r>
+            <a:r>
+              <a:rPr lang="en-US" dirty="0"/>
+              <a:t> </a:t>
+            </a:r>
+            <a:r>
+              <a:rPr lang="en-US" dirty="0" err="1"/>
+              <a:t>automatickú</a:t>
+            </a:r>
+            <a:r>
+              <a:rPr lang="en-US" dirty="0"/>
+              <a:t> </a:t>
+            </a:r>
+            <a:r>
+              <a:rPr lang="en-US" dirty="0" err="1"/>
+              <a:t>extrakciu</a:t>
+            </a:r>
+            <a:r>
+              <a:rPr lang="en-US" dirty="0"/>
+              <a:t> a </a:t>
+            </a:r>
+            <a:r>
+              <a:rPr lang="en-US" dirty="0" err="1"/>
+              <a:t>prepojenie</a:t>
+            </a:r>
+            <a:r>
+              <a:rPr lang="en-US" dirty="0"/>
+              <a:t> </a:t>
+            </a:r>
+            <a:r>
+              <a:rPr lang="en-US" dirty="0" err="1"/>
+              <a:t>informácií</a:t>
+            </a:r>
+            <a:r>
+              <a:rPr lang="en-US" dirty="0"/>
+              <a:t> z </a:t>
+            </a:r>
+            <a:r>
+              <a:rPr lang="en-US" dirty="0" err="1"/>
+              <a:t>právnych</a:t>
+            </a:r>
+            <a:r>
+              <a:rPr lang="en-US" dirty="0"/>
+              <a:t> </a:t>
+            </a:r>
+            <a:r>
+              <a:rPr lang="en-US" dirty="0" err="1"/>
+              <a:t>textov</a:t>
+            </a:r>
+            <a:r>
+              <a:rPr lang="en-US" dirty="0"/>
+              <a:t> do </a:t>
+            </a:r>
+            <a:r>
+              <a:rPr lang="en-US" dirty="0" err="1"/>
+              <a:t>znalostného</a:t>
+            </a:r>
+            <a:r>
+              <a:rPr lang="en-US" dirty="0"/>
+              <a:t> </a:t>
+            </a:r>
+            <a:r>
+              <a:rPr lang="en-US" dirty="0" err="1"/>
+              <a:t>grafu</a:t>
+            </a:r>
+            <a:r>
+              <a:rPr lang="en-US" dirty="0"/>
+              <a:t>. </a:t>
+            </a:r>
+            <a:r>
+              <a:rPr lang="en-US" dirty="0" err="1"/>
+              <a:t>Výsledkom</a:t>
+            </a:r>
+            <a:r>
+              <a:rPr lang="en-US" dirty="0"/>
+              <a:t> je </a:t>
+            </a:r>
+            <a:r>
+              <a:rPr lang="en-US" dirty="0" err="1"/>
+              <a:t>interaktívny</a:t>
+            </a:r>
+            <a:r>
+              <a:rPr lang="en-US" dirty="0"/>
+              <a:t> </a:t>
+            </a:r>
+            <a:r>
+              <a:rPr lang="en-US" dirty="0" err="1"/>
+              <a:t>graf</a:t>
+            </a:r>
+            <a:r>
+              <a:rPr lang="en-US" dirty="0"/>
+              <a:t> </a:t>
+            </a:r>
+            <a:r>
+              <a:rPr lang="en-US" dirty="0" err="1"/>
+              <a:t>znázorňujúci</a:t>
+            </a:r>
+            <a:r>
+              <a:rPr lang="en-US" dirty="0"/>
+              <a:t> </a:t>
+            </a:r>
+            <a:r>
+              <a:rPr lang="en-US" dirty="0" err="1"/>
+              <a:t>väzby</a:t>
+            </a:r>
+            <a:r>
+              <a:rPr lang="en-US" dirty="0"/>
+              <a:t> </a:t>
+            </a:r>
+            <a:r>
+              <a:rPr lang="en-US" dirty="0" err="1"/>
+              <a:t>medzi</a:t>
+            </a:r>
+            <a:r>
+              <a:rPr lang="en-US" dirty="0"/>
+              <a:t> </a:t>
+            </a:r>
+            <a:r>
+              <a:rPr lang="en-US" dirty="0" err="1"/>
+              <a:t>právnymi</a:t>
+            </a:r>
+            <a:r>
+              <a:rPr lang="en-US" dirty="0"/>
+              <a:t> </a:t>
+            </a:r>
+            <a:r>
+              <a:rPr lang="en-US" dirty="0" err="1"/>
+              <a:t>pojmami</a:t>
+            </a:r>
+            <a:r>
+              <a:rPr lang="en-US" dirty="0"/>
+              <a:t> a </a:t>
+            </a:r>
+            <a:r>
+              <a:rPr lang="en-US" dirty="0" err="1"/>
+              <a:t>ustanoveniami</a:t>
+            </a:r>
+            <a:r>
+              <a:rPr lang="en-US" dirty="0"/>
+              <a:t> v </a:t>
+            </a:r>
+            <a:r>
+              <a:rPr lang="en-US" dirty="0" err="1"/>
+              <a:t>zákone</a:t>
+            </a:r>
+            <a:r>
+              <a:rPr lang="en-US" dirty="0"/>
+              <a:t>.</a:t>
+            </a:r>
+          </a:p>
+          <a:p>
+            <a:pPr marL="0" indent="0">
+              <a:buNone/>
+            </a:pPr>
+            <a:endParaRPr lang="en-US" dirty="0">
+              <a:solidFill>
+                <a:srgbClr val="FF0000"/>
+              </a:solidFill>
+            </a:endParaRPr>
+          </a:p>
+          <a:p>
+            <a:pPr marL="0" indent="0">
+              <a:buNone/>
+            </a:pPr>
+            <a:endParaRPr lang="en-US" dirty="0">
+              <a:solidFill>
+                <a:srgbClr val="FF0000"/>
+              </a:solidFill>
+            </a:endParaRPr>
+          </a:p>
+          <a:p>
+            <a:pPr marL="0" indent="0">
+              <a:buNone/>
+            </a:pPr>
+            <a:r>
+              <a:rPr lang="en-US" dirty="0" err="1"/>
+              <a:t>Problematika</a:t>
+            </a:r>
+            <a:r>
+              <a:rPr lang="en-US" dirty="0"/>
+              <a:t> </a:t>
+            </a:r>
+            <a:r>
+              <a:rPr lang="en-US" dirty="0" err="1"/>
+              <a:t>halucinácie</a:t>
+            </a:r>
+            <a:r>
+              <a:rPr lang="en-US" dirty="0"/>
+              <a:t> LLM </a:t>
+            </a:r>
+            <a:r>
+              <a:rPr lang="en-US" dirty="0" err="1"/>
+              <a:t>pri</a:t>
+            </a:r>
+            <a:r>
+              <a:rPr lang="en-US" dirty="0"/>
+              <a:t> </a:t>
+            </a:r>
+            <a:r>
+              <a:rPr lang="en-US" dirty="0" err="1"/>
+              <a:t>pýtani</a:t>
+            </a:r>
+            <a:r>
+              <a:rPr lang="en-US" dirty="0"/>
+              <a:t> </a:t>
+            </a:r>
+            <a:r>
+              <a:rPr lang="en-US" dirty="0" err="1"/>
+              <a:t>sa</a:t>
+            </a:r>
+            <a:r>
+              <a:rPr lang="en-US" dirty="0"/>
+              <a:t> </a:t>
+            </a:r>
+            <a:r>
+              <a:rPr lang="en-US" dirty="0" err="1"/>
+              <a:t>otázok</a:t>
+            </a:r>
+            <a:r>
+              <a:rPr lang="en-US" dirty="0"/>
+              <a:t> </a:t>
+            </a:r>
+            <a:r>
+              <a:rPr lang="en-US" dirty="0" err="1"/>
+              <a:t>na</a:t>
+            </a:r>
+            <a:r>
+              <a:rPr lang="en-US" dirty="0"/>
+              <a:t> </a:t>
+            </a:r>
+            <a:r>
+              <a:rPr lang="en-US" dirty="0" err="1"/>
+              <a:t>legálne</a:t>
+            </a:r>
+            <a:r>
+              <a:rPr lang="en-US" dirty="0"/>
+              <a:t> </a:t>
+            </a:r>
+            <a:r>
+              <a:rPr lang="en-US" dirty="0" err="1"/>
+              <a:t>pojmy</a:t>
+            </a:r>
+            <a:r>
+              <a:rPr lang="en-US" dirty="0"/>
+              <a:t>.</a:t>
+            </a:r>
+          </a:p>
+          <a:p>
+            <a:pPr marL="0" indent="0">
+              <a:buNone/>
+            </a:pPr>
+            <a:r>
+              <a:rPr lang="en-US" sz="2000" dirty="0" err="1"/>
+              <a:t>Príklad</a:t>
+            </a:r>
+            <a:r>
+              <a:rPr lang="en-US" sz="2000" dirty="0"/>
+              <a:t>: </a:t>
+            </a:r>
+            <a:r>
+              <a:rPr lang="en-US" sz="2000" dirty="0" err="1"/>
+              <a:t>daň</a:t>
+            </a:r>
+            <a:r>
+              <a:rPr lang="en-US" sz="2000" dirty="0"/>
+              <a:t> z </a:t>
+            </a:r>
+            <a:r>
+              <a:rPr lang="en-US" sz="2000" dirty="0" err="1"/>
+              <a:t>pridanej</a:t>
+            </a:r>
+            <a:r>
+              <a:rPr lang="en-US" sz="2000" dirty="0"/>
+              <a:t> </a:t>
+            </a:r>
+            <a:r>
+              <a:rPr lang="en-US" sz="2000" dirty="0" err="1"/>
+              <a:t>hodnoty</a:t>
+            </a:r>
+            <a:r>
+              <a:rPr lang="en-US" sz="2000" dirty="0"/>
+              <a:t> – </a:t>
+            </a:r>
+            <a:r>
+              <a:rPr lang="en-US" sz="2000" dirty="0" err="1"/>
+              <a:t>daň</a:t>
+            </a:r>
+            <a:r>
+              <a:rPr lang="en-US" sz="2000" dirty="0"/>
+              <a:t> z </a:t>
+            </a:r>
+            <a:r>
+              <a:rPr lang="en-US" sz="2000" dirty="0" err="1"/>
+              <a:t>príjmu</a:t>
+            </a:r>
+            <a:endParaRPr lang="sk-SK" sz="2000" dirty="0"/>
           </a:p>
         </p:txBody>
       </p:sp>
@@ -3910,21 +4433,8 @@
           <a:p>
             <a:r>
               <a:rPr lang="sk-SK" dirty="0"/>
-              <a:t>Autor: </a:t>
-            </a:r>
-            <a:r>
-              <a:rPr lang="sk-SK" dirty="0">
-                <a:solidFill>
-                  <a:srgbClr val="FF0000"/>
-                </a:solidFill>
-              </a:rPr>
-              <a:t>meno, priezvisko </a:t>
-            </a:r>
-            <a:endParaRPr lang="sk-SK" dirty="0">
-              <a:solidFill>
-                <a:srgbClr val="00B0F0"/>
-              </a:solidFill>
-            </a:endParaRPr>
+              <a:t>Autor: Samuel Bagín</a:t>
+            </a:r>
           </a:p>
         </p:txBody>
       </p:sp>
@@ -4015,17 +4525,17 @@
                   <a:srgbClr val="264D99"/>
                 </a:solidFill>
               </a:rPr>
-              <a:t>Názov BP</a:t>
+              <a:t>Využitie LLM pre právne dokumenty</a:t>
             </a:r>
           </a:p>
         </p:txBody>
       </p:sp>
       <p:pic>
         <p:nvPicPr>
-          <p:cNvPr id="11" name="Obrázok 10" descr="Obrázok, na ktorom je text, písmo, snímka obrazovky, grafika&#10;&#10;Automaticky generovaný popis">
+          <p:cNvPr id="4" name="Picture 3">
             <a:extLst>
               <a:ext uri="{FF2B5EF4-FFF2-40B4-BE49-F238E27FC236}">
-                <a16:creationId xmlns:a16="http://schemas.microsoft.com/office/drawing/2014/main" id="{4FD4B5E6-B093-DB3C-DB9A-048805BEB6F4}"/>
+                <a16:creationId xmlns:a16="http://schemas.microsoft.com/office/drawing/2014/main" id="{F743655B-E817-B7DD-C8BA-190AA982C066}"/>
               </a:ext>
             </a:extLst>
           </p:cNvPr>
@@ -4035,7 +4545,7 @@
           <p:nvPr/>
         </p:nvPicPr>
         <p:blipFill>
-          <a:blip r:embed="rId2" cstate="print">
+          <a:blip r:embed="rId2">
             <a:extLst>
               <a:ext uri="{28A0092B-C50C-407E-A947-70E740481C1C}">
                 <a14:useLocalDpi xmlns:a14="http://schemas.microsoft.com/office/drawing/2010/main" val="0"/>
@@ -4048,8 +4558,8 @@
         </p:blipFill>
         <p:spPr>
           <a:xfrm>
-            <a:off x="10360241" y="10082"/>
-            <a:ext cx="1831759" cy="1505157"/>
+            <a:off x="9931400" y="0"/>
+            <a:ext cx="2260600" cy="1295400"/>
           </a:xfrm>
           <a:prstGeom prst="rect">
             <a:avLst/>
@@ -4108,7 +4618,7 @@
           <a:p>
             <a:r>
               <a:rPr lang="sk-SK" dirty="0"/>
-              <a:t>Obsah prezentácie</a:t>
+              <a:t>O projekte</a:t>
             </a:r>
           </a:p>
         </p:txBody>
@@ -4132,20 +4642,80 @@
               <a:buNone/>
             </a:pPr>
             <a:r>
-              <a:rPr lang="sk-SK" dirty="0">
-                <a:solidFill>
-                  <a:srgbClr val="FF0000"/>
-                </a:solidFill>
-              </a:rPr>
-              <a:t>Obsah nie je povinný, ale pomôže vytvoriť kostru prezentácie.</a:t>
-            </a:r>
-          </a:p>
-          <a:p>
-            <a:endParaRPr lang="sk-SK" dirty="0">
-              <a:solidFill>
-                <a:srgbClr val="FF0000"/>
-              </a:solidFill>
-            </a:endParaRPr>
+              <a:rPr lang="sk-SK" sz="3200" b="1" u="sng" dirty="0"/>
+              <a:t>1. fáza projektu – spracovanie znalostí</a:t>
+            </a:r>
+          </a:p>
+          <a:p>
+            <a:r>
+              <a:rPr lang="sk-SK" sz="2800" dirty="0"/>
+              <a:t>Na</a:t>
+            </a:r>
+            <a:r>
+              <a:rPr lang="sk-SK" dirty="0"/>
+              <a:t>čítanie súboru</a:t>
+            </a:r>
+          </a:p>
+          <a:p>
+            <a:r>
+              <a:rPr lang="sk-SK" sz="2800" dirty="0"/>
+              <a:t>Spracovanie súboru: </a:t>
+            </a:r>
+            <a:r>
+              <a:rPr lang="sk-SK" sz="2800" dirty="0" err="1"/>
+              <a:t>chunkovanie</a:t>
+            </a:r>
+            <a:r>
+              <a:rPr lang="sk-SK" sz="2800" dirty="0"/>
+              <a:t>, </a:t>
+            </a:r>
+            <a:r>
+              <a:rPr lang="sk-SK" sz="2800" dirty="0" err="1"/>
+              <a:t>LLMGraphTransformer</a:t>
+            </a:r>
+            <a:r>
+              <a:rPr lang="sk-SK" dirty="0"/>
+              <a:t> (extrahovanie entít a vzťahov), vytvorenie vrcholov pre </a:t>
+            </a:r>
+            <a:r>
+              <a:rPr lang="sk-SK" dirty="0" err="1"/>
+              <a:t>chunky</a:t>
+            </a:r>
+            <a:endParaRPr lang="sk-SK" dirty="0"/>
+          </a:p>
+          <a:p>
+            <a:r>
+              <a:rPr lang="sk-SK" sz="2800" dirty="0"/>
+              <a:t>Uloženie do grafovej a vektorovej databázy</a:t>
+            </a:r>
+          </a:p>
+          <a:p>
+            <a:endParaRPr lang="sk-SK" dirty="0"/>
+          </a:p>
+          <a:p>
+            <a:endParaRPr lang="sk-SK" sz="2800" dirty="0"/>
+          </a:p>
+          <a:p>
+            <a:pPr marL="0" indent="0">
+              <a:buNone/>
+            </a:pPr>
+            <a:r>
+              <a:rPr lang="sk-SK" dirty="0"/>
+              <a:t>Neo4j, </a:t>
+            </a:r>
+            <a:r>
+              <a:rPr lang="sk-SK" dirty="0" err="1"/>
+              <a:t>LangChain</a:t>
+            </a:r>
+            <a:r>
+              <a:rPr lang="sk-SK" dirty="0"/>
+              <a:t>, </a:t>
+            </a:r>
+            <a:r>
+              <a:rPr lang="sk-SK" dirty="0" err="1"/>
+              <a:t>OpenAI</a:t>
+            </a:r>
+            <a:endParaRPr lang="sk-SK" sz="2800" dirty="0"/>
           </a:p>
         </p:txBody>
       </p:sp>
@@ -4172,21 +4742,8 @@
           <a:p>
             <a:r>
               <a:rPr lang="sk-SK" dirty="0"/>
-              <a:t>Autor: </a:t>
-            </a:r>
-            <a:r>
-              <a:rPr lang="sk-SK" dirty="0">
-                <a:solidFill>
-                  <a:srgbClr val="FF0000"/>
-                </a:solidFill>
-              </a:rPr>
-              <a:t>meno, priezvisko </a:t>
-            </a:r>
-            <a:endParaRPr lang="sk-SK" dirty="0">
-              <a:solidFill>
-                <a:srgbClr val="00B0F0"/>
-              </a:solidFill>
-            </a:endParaRPr>
+              <a:t>Autor: Samuel Bagín</a:t>
+            </a:r>
           </a:p>
         </p:txBody>
       </p:sp>
@@ -4314,7 +4871,7 @@
           <a:lstStyle/>
           <a:p>
             <a:pPr algn="ctr"/>
-            <a:endParaRPr lang="sk-SK"/>
+            <a:endParaRPr lang="sk-SK" dirty="0"/>
           </a:p>
         </p:txBody>
       </p:sp>
@@ -4351,17 +4908,17 @@
                   <a:srgbClr val="264D99"/>
                 </a:solidFill>
               </a:rPr>
-              <a:t>Názov BP</a:t>
+              <a:t>Využitie LLM pre právne dokumenty</a:t>
             </a:r>
           </a:p>
         </p:txBody>
       </p:sp>
       <p:pic>
         <p:nvPicPr>
-          <p:cNvPr id="6" name="Obrázok 5" descr="Obrázok, na ktorom je text, písmo, snímka obrazovky, grafika&#10;&#10;Automaticky generovaný popis">
+          <p:cNvPr id="9" name="Picture 8">
             <a:extLst>
               <a:ext uri="{FF2B5EF4-FFF2-40B4-BE49-F238E27FC236}">
-                <a16:creationId xmlns:a16="http://schemas.microsoft.com/office/drawing/2014/main" id="{BF71CCE5-BD84-CD6B-5172-47DD47E32F31}"/>
+                <a16:creationId xmlns:a16="http://schemas.microsoft.com/office/drawing/2014/main" id="{9B125EB8-ACFD-B6D1-B75C-1A008B1458F8}"/>
               </a:ext>
             </a:extLst>
           </p:cNvPr>
@@ -4371,7 +4928,7 @@
           <p:nvPr/>
         </p:nvPicPr>
         <p:blipFill>
-          <a:blip r:embed="rId3" cstate="print">
+          <a:blip r:embed="rId3">
             <a:extLst>
               <a:ext uri="{28A0092B-C50C-407E-A947-70E740481C1C}">
                 <a14:useLocalDpi xmlns:a14="http://schemas.microsoft.com/office/drawing/2010/main" val="0"/>
@@ -4384,8 +4941,8 @@
         </p:blipFill>
         <p:spPr>
           <a:xfrm>
-            <a:off x="10360241" y="10082"/>
-            <a:ext cx="1831759" cy="1505157"/>
+            <a:off x="9931400" y="0"/>
+            <a:ext cx="2260600" cy="1295400"/>
           </a:xfrm>
           <a:prstGeom prst="rect">
             <a:avLst/>
@@ -4410,7 +4967,13 @@
   <p:cSld>
     <p:spTree>
       <p:nvGrpSpPr>
-        <p:cNvPr id="1" name=""/>
+        <p:cNvPr id="1" name="">
+          <a:extLst>
+            <a:ext uri="{FF2B5EF4-FFF2-40B4-BE49-F238E27FC236}">
+              <a16:creationId xmlns:a16="http://schemas.microsoft.com/office/drawing/2014/main" id="{1316C196-255A-6031-0F36-C4909FA47E54}"/>
+            </a:ext>
+          </a:extLst>
+        </p:cNvPr>
         <p:cNvGrpSpPr/>
         <p:nvPr/>
       </p:nvGrpSpPr>
@@ -4424,7 +4987,13 @@
       </p:grpSpPr>
       <p:sp>
         <p:nvSpPr>
-          <p:cNvPr id="2" name="Title 1"/>
+          <p:cNvPr id="2" name="Title 1">
+            <a:extLst>
+              <a:ext uri="{FF2B5EF4-FFF2-40B4-BE49-F238E27FC236}">
+                <a16:creationId xmlns:a16="http://schemas.microsoft.com/office/drawing/2014/main" id="{B470BE06-8B67-7981-1A92-CDFE17C9F552}"/>
+              </a:ext>
+            </a:extLst>
+          </p:cNvPr>
           <p:cNvSpPr>
             <a:spLocks noGrp="1"/>
           </p:cNvSpPr>
@@ -4434,173 +5003,204 @@
         </p:nvSpPr>
         <p:spPr>
           <a:xfrm>
-            <a:off x="838200" y="843246"/>
+            <a:off x="838200" y="814613"/>
             <a:ext cx="10515600" cy="876075"/>
           </a:xfrm>
         </p:spPr>
         <p:txBody>
+          <a:bodyPr/>
+          <a:lstStyle/>
+          <a:p>
+            <a:r>
+              <a:rPr lang="sk-SK" dirty="0"/>
+              <a:t>O projekte</a:t>
+            </a:r>
+          </a:p>
+        </p:txBody>
+      </p:sp>
+      <p:sp>
+        <p:nvSpPr>
+          <p:cNvPr id="3" name="Content Placeholder 2">
+            <a:extLst>
+              <a:ext uri="{FF2B5EF4-FFF2-40B4-BE49-F238E27FC236}">
+                <a16:creationId xmlns:a16="http://schemas.microsoft.com/office/drawing/2014/main" id="{B6A77D13-B535-3303-CBE1-A43C85C14832}"/>
+              </a:ext>
+            </a:extLst>
+          </p:cNvPr>
+          <p:cNvSpPr>
+            <a:spLocks noGrp="1"/>
+          </p:cNvSpPr>
+          <p:nvPr>
+            <p:ph idx="1"/>
+          </p:nvPr>
+        </p:nvSpPr>
+        <p:spPr>
+          <a:xfrm>
+            <a:off x="838200" y="1825624"/>
+            <a:ext cx="10515600" cy="4217763"/>
+          </a:xfrm>
+        </p:spPr>
+        <p:txBody>
           <a:bodyPr>
             <a:normAutofit/>
           </a:bodyPr>
           <a:lstStyle/>
           <a:p>
+            <a:pPr marL="0" indent="0">
+              <a:buNone/>
+            </a:pPr>
+            <a:r>
+              <a:rPr lang="sk-SK" sz="3200" b="1" u="sng" dirty="0"/>
+              <a:t>2. fáza – sémantické vyhľadávanie:</a:t>
+            </a:r>
+          </a:p>
+          <a:p>
             <a:r>
               <a:rPr lang="sk-SK" dirty="0"/>
-              <a:t>Základné časti prezentácie</a:t>
-            </a:r>
-            <a:endParaRPr lang="sk-SK" sz="2000" dirty="0">
-              <a:solidFill>
-                <a:srgbClr val="00B0F0"/>
-              </a:solidFill>
-            </a:endParaRPr>
-          </a:p>
-        </p:txBody>
-      </p:sp>
-      <p:sp>
-        <p:nvSpPr>
-          <p:cNvPr id="3" name="Content Placeholder 2"/>
-          <p:cNvSpPr>
-            <a:spLocks noGrp="1"/>
-          </p:cNvSpPr>
-          <p:nvPr>
-            <p:ph idx="1"/>
-          </p:nvPr>
-        </p:nvSpPr>
-        <p:spPr/>
-        <p:txBody>
-          <a:bodyPr>
-            <a:normAutofit/>
+              <a:t>Vytvorenie 3-5 variácií zadanej otázky</a:t>
+            </a:r>
+          </a:p>
+          <a:p>
+            <a:r>
+              <a:rPr lang="sk-SK" dirty="0"/>
+              <a:t>Nájdenie podmetu, prísudku a predmetu</a:t>
+            </a:r>
+          </a:p>
+          <a:p>
+            <a:r>
+              <a:rPr lang="sk-SK" dirty="0"/>
+              <a:t>LLM vytvorí </a:t>
+            </a:r>
+            <a:r>
+              <a:rPr lang="sk-SK" dirty="0" err="1"/>
+              <a:t>Cypher</a:t>
+            </a:r>
+            <a:r>
+              <a:rPr lang="sk-SK" dirty="0"/>
+              <a:t> </a:t>
+            </a:r>
+            <a:r>
+              <a:rPr lang="sk-SK" dirty="0" err="1"/>
+              <a:t>query</a:t>
+            </a:r>
+            <a:r>
+              <a:rPr lang="sk-SK" dirty="0"/>
+              <a:t> a vráti KG (znalostné grafy) - </a:t>
+            </a:r>
+            <a:r>
+              <a:rPr lang="sk-SK" dirty="0" err="1"/>
+              <a:t>Claude</a:t>
+            </a:r>
+            <a:endParaRPr lang="sk-SK" dirty="0"/>
+          </a:p>
+          <a:p>
+            <a:r>
+              <a:rPr lang="sk-SK" dirty="0"/>
+              <a:t>Nájdenie všetkých </a:t>
+            </a:r>
+            <a:r>
+              <a:rPr lang="sk-SK" dirty="0" err="1"/>
+              <a:t>chunkov</a:t>
+            </a:r>
+            <a:r>
+              <a:rPr lang="sk-SK" dirty="0"/>
+              <a:t>, v ktorých sa nachádzajú vrcholy z KG</a:t>
+            </a:r>
+          </a:p>
+          <a:p>
+            <a:r>
+              <a:rPr lang="sk-SK" dirty="0"/>
+              <a:t>Vytvorenie odpovede: </a:t>
+            </a:r>
+            <a:r>
+              <a:rPr lang="sk-SK" sz="2400" dirty="0"/>
+              <a:t>UQ + </a:t>
+            </a:r>
+            <a:r>
+              <a:rPr lang="sk-SK" sz="2400" dirty="0" err="1"/>
+              <a:t>VQs</a:t>
+            </a:r>
+            <a:r>
+              <a:rPr lang="sk-SK" sz="2400" dirty="0"/>
+              <a:t> + </a:t>
+            </a:r>
+            <a:r>
+              <a:rPr lang="sk-SK" sz="2400" dirty="0" err="1"/>
+              <a:t>KGs</a:t>
+            </a:r>
+            <a:r>
+              <a:rPr lang="sk-SK" sz="2400" dirty="0"/>
+              <a:t> + </a:t>
+            </a:r>
+            <a:r>
+              <a:rPr lang="sk-SK" sz="2400" dirty="0" err="1"/>
+              <a:t>chunky</a:t>
+            </a:r>
+            <a:r>
+              <a:rPr lang="sk-SK" sz="2400" dirty="0"/>
+              <a:t> + SP</a:t>
+            </a:r>
+          </a:p>
+          <a:p>
+            <a:pPr marL="0" indent="0">
+              <a:buNone/>
+            </a:pPr>
+            <a:endParaRPr lang="sk-SK" sz="2400" dirty="0"/>
+          </a:p>
+          <a:p>
+            <a:pPr marL="0" indent="0">
+              <a:buNone/>
+            </a:pPr>
+            <a:r>
+              <a:rPr lang="sk-SK" sz="2800" dirty="0"/>
+              <a:t>	</a:t>
+            </a:r>
+          </a:p>
+        </p:txBody>
+      </p:sp>
+      <p:sp>
+        <p:nvSpPr>
+          <p:cNvPr id="5" name="Rectangle 4">
+            <a:extLst>
+              <a:ext uri="{FF2B5EF4-FFF2-40B4-BE49-F238E27FC236}">
+                <a16:creationId xmlns:a16="http://schemas.microsoft.com/office/drawing/2014/main" id="{4AAC5020-82C7-57E2-732F-B334A02FD989}"/>
+              </a:ext>
+            </a:extLst>
+          </p:cNvPr>
+          <p:cNvSpPr/>
+          <p:nvPr/>
+        </p:nvSpPr>
+        <p:spPr>
+          <a:xfrm>
+            <a:off x="265319" y="6311900"/>
+            <a:ext cx="8290283" cy="369332"/>
+          </a:xfrm>
+          <a:prstGeom prst="rect">
+            <a:avLst/>
+          </a:prstGeom>
+        </p:spPr>
+        <p:txBody>
+          <a:bodyPr wrap="square">
+            <a:spAutoFit/>
           </a:bodyPr>
           <a:lstStyle/>
           <a:p>
             <a:r>
-              <a:rPr lang="sk-SK" sz="2400" dirty="0">
-                <a:solidFill>
-                  <a:srgbClr val="FF0000"/>
-                </a:solidFill>
-              </a:rPr>
-              <a:t>Prezentácia by mala obsahovať na seba nadväzujúce časti v súlade </a:t>
-            </a:r>
-            <a:br>
-              <a:rPr lang="sk-SK" sz="2400" dirty="0">
-                <a:solidFill>
-                  <a:srgbClr val="FF0000"/>
-                </a:solidFill>
-              </a:rPr>
-            </a:br>
-            <a:r>
-              <a:rPr lang="sk-SK" sz="2400" dirty="0">
-                <a:solidFill>
-                  <a:srgbClr val="FF0000"/>
-                </a:solidFill>
-              </a:rPr>
-              <a:t>s riešenou BP.</a:t>
-            </a:r>
-          </a:p>
-          <a:p>
-            <a:r>
-              <a:rPr lang="sk-SK" sz="2400" dirty="0">
-                <a:solidFill>
-                  <a:srgbClr val="FF0000"/>
-                </a:solidFill>
-              </a:rPr>
-              <a:t>Hlavné časti prezentácie by mali byť:</a:t>
-            </a:r>
-          </a:p>
-          <a:p>
-            <a:pPr marL="914400" lvl="1" indent="-457200">
-              <a:buFont typeface="+mj-lt"/>
-              <a:buAutoNum type="arabicPeriod"/>
-            </a:pPr>
-            <a:r>
-              <a:rPr lang="sk-SK" sz="2000" dirty="0">
-                <a:solidFill>
-                  <a:srgbClr val="FF0000"/>
-                </a:solidFill>
-              </a:rPr>
-              <a:t>Zadanie BP</a:t>
-            </a:r>
-          </a:p>
-          <a:p>
-            <a:pPr marL="914400" lvl="1" indent="-457200">
-              <a:buFont typeface="+mj-lt"/>
-              <a:buAutoNum type="arabicPeriod"/>
-            </a:pPr>
-            <a:r>
-              <a:rPr lang="sk-SK" sz="2000" dirty="0">
-                <a:solidFill>
-                  <a:srgbClr val="FF0000"/>
-                </a:solidFill>
-              </a:rPr>
-              <a:t>Teoretický rozbor a rešerš riešenej problematiky</a:t>
-            </a:r>
-          </a:p>
-          <a:p>
-            <a:pPr lvl="2"/>
-            <a:r>
-              <a:rPr lang="sk-SK" sz="1800" dirty="0">
-                <a:solidFill>
-                  <a:srgbClr val="FF0000"/>
-                </a:solidFill>
-              </a:rPr>
-              <a:t>Stručne uveďte poznatky, ktoré využívate, resp. budete využívať v rámci riešenia BP.</a:t>
-            </a:r>
-          </a:p>
-          <a:p>
-            <a:pPr lvl="2"/>
-            <a:r>
-              <a:rPr lang="sk-SK" sz="1800" dirty="0">
-                <a:solidFill>
-                  <a:srgbClr val="FF0000"/>
-                </a:solidFill>
-              </a:rPr>
-              <a:t>Je vhodné uvádzať aj použité zdroje.</a:t>
-            </a:r>
-          </a:p>
-          <a:p>
-            <a:pPr marL="914400" lvl="1" indent="-457200">
-              <a:buFont typeface="+mj-lt"/>
-              <a:buAutoNum type="arabicPeriod"/>
-            </a:pPr>
-            <a:r>
-              <a:rPr lang="sk-SK" sz="2000" dirty="0">
-                <a:solidFill>
-                  <a:srgbClr val="FF0000"/>
-                </a:solidFill>
-              </a:rPr>
-              <a:t>Dosiahnuté výsledky a ich analýza v rámci predmetu BP1</a:t>
-            </a:r>
-          </a:p>
-          <a:p>
-            <a:pPr marL="914400" lvl="1" indent="-457200">
-              <a:buFont typeface="+mj-lt"/>
-              <a:buAutoNum type="arabicPeriod"/>
-            </a:pPr>
-            <a:r>
-              <a:rPr lang="sk-SK" sz="2000" dirty="0">
-                <a:solidFill>
-                  <a:srgbClr val="FF0000"/>
-                </a:solidFill>
-              </a:rPr>
-              <a:t>Ciele pre ďalšie riešenie BP</a:t>
-            </a:r>
-          </a:p>
-          <a:p>
-            <a:pPr lvl="2"/>
-            <a:r>
-              <a:rPr lang="sk-SK" sz="1800" dirty="0">
-                <a:solidFill>
-                  <a:srgbClr val="FF0000"/>
-                </a:solidFill>
-              </a:rPr>
-              <a:t>Uveďte, ako budete postupovať pri riešení BP v nasledujúcom semestri.</a:t>
-            </a:r>
-          </a:p>
-        </p:txBody>
-      </p:sp>
-      <p:sp>
-        <p:nvSpPr>
-          <p:cNvPr id="10" name="Zástupný symbol čísla snímky 9"/>
+              <a:rPr lang="sk-SK" dirty="0"/>
+              <a:t>Autor: Samuel Bagín</a:t>
+            </a:r>
+          </a:p>
+        </p:txBody>
+      </p:sp>
+      <p:sp>
+        <p:nvSpPr>
+          <p:cNvPr id="10" name="Zástupný symbol čísla snímky 9">
+            <a:extLst>
+              <a:ext uri="{FF2B5EF4-FFF2-40B4-BE49-F238E27FC236}">
+                <a16:creationId xmlns:a16="http://schemas.microsoft.com/office/drawing/2014/main" id="{A3170AF1-EFE8-5893-13CD-FE284B418BFD}"/>
+              </a:ext>
+            </a:extLst>
+          </p:cNvPr>
           <p:cNvSpPr>
             <a:spLocks noGrp="1"/>
           </p:cNvSpPr>
@@ -4626,7 +5226,13 @@
       </p:sp>
       <p:sp>
         <p:nvSpPr>
-          <p:cNvPr id="12" name="Rectangle 4"/>
+          <p:cNvPr id="11" name="Rectangle 4">
+            <a:extLst>
+              <a:ext uri="{FF2B5EF4-FFF2-40B4-BE49-F238E27FC236}">
+                <a16:creationId xmlns:a16="http://schemas.microsoft.com/office/drawing/2014/main" id="{94633815-0041-E8CC-870B-1EB527824CBB}"/>
+              </a:ext>
+            </a:extLst>
+          </p:cNvPr>
           <p:cNvSpPr/>
           <p:nvPr/>
         </p:nvSpPr>
@@ -4674,57 +5280,10 @@
       </p:sp>
       <p:sp>
         <p:nvSpPr>
-          <p:cNvPr id="13" name="Rectangle 4">
-            <a:extLst>
-              <a:ext uri="{FF2B5EF4-FFF2-40B4-BE49-F238E27FC236}">
-                <a16:creationId xmlns:a16="http://schemas.microsoft.com/office/drawing/2014/main" id="{8DCAB836-5646-4589-A36E-BCD98542A001}"/>
-              </a:ext>
-            </a:extLst>
-          </p:cNvPr>
-          <p:cNvSpPr/>
-          <p:nvPr/>
-        </p:nvSpPr>
-        <p:spPr>
-          <a:xfrm>
-            <a:off x="265319" y="6311900"/>
-            <a:ext cx="8290283" cy="369332"/>
-          </a:xfrm>
-          <a:prstGeom prst="rect">
-            <a:avLst/>
-          </a:prstGeom>
-        </p:spPr>
-        <p:txBody>
-          <a:bodyPr wrap="square">
-            <a:spAutoFit/>
-          </a:bodyPr>
-          <a:lstStyle/>
-          <a:p>
-            <a:r>
-              <a:rPr lang="sk-SK" dirty="0"/>
-              <a:t>Autor: </a:t>
-            </a:r>
-            <a:r>
-              <a:rPr lang="sk-SK" dirty="0">
-                <a:solidFill>
-                  <a:srgbClr val="FF0000"/>
-                </a:solidFill>
-              </a:rPr>
-              <a:t>meno, priezvisko </a:t>
-            </a:r>
-            <a:endParaRPr lang="sk-SK" dirty="0">
-              <a:solidFill>
-                <a:srgbClr val="00B0F0"/>
-              </a:solidFill>
-            </a:endParaRPr>
-          </a:p>
-        </p:txBody>
-      </p:sp>
-      <p:sp>
-        <p:nvSpPr>
           <p:cNvPr id="4" name="Rectangle 3">
             <a:extLst>
               <a:ext uri="{FF2B5EF4-FFF2-40B4-BE49-F238E27FC236}">
-                <a16:creationId xmlns:a16="http://schemas.microsoft.com/office/drawing/2014/main" id="{582D63C4-6659-DE0E-4099-9301BF0666F2}"/>
+                <a16:creationId xmlns:a16="http://schemas.microsoft.com/office/drawing/2014/main" id="{CFA28427-8481-1008-9E2E-8500C29FD3B6}"/>
               </a:ext>
             </a:extLst>
           </p:cNvPr>
@@ -4775,10 +5334,10 @@
       </p:sp>
       <p:sp>
         <p:nvSpPr>
-          <p:cNvPr id="6" name="Rectangle 5">
+          <p:cNvPr id="8" name="Rectangle 5">
             <a:extLst>
               <a:ext uri="{FF2B5EF4-FFF2-40B4-BE49-F238E27FC236}">
-                <a16:creationId xmlns:a16="http://schemas.microsoft.com/office/drawing/2014/main" id="{AA0157DD-7B85-CB9A-70A6-8C7798B0B4B9}"/>
+                <a16:creationId xmlns:a16="http://schemas.microsoft.com/office/drawing/2014/main" id="{35584B4B-8F59-B0F3-91F3-E73BA01A33E1}"/>
               </a:ext>
             </a:extLst>
           </p:cNvPr>
@@ -4806,17 +5365,17 @@
                   <a:srgbClr val="264D99"/>
                 </a:solidFill>
               </a:rPr>
-              <a:t>Názov BP</a:t>
+              <a:t>Využitie LLM pre právne dokumenty</a:t>
             </a:r>
           </a:p>
         </p:txBody>
       </p:sp>
       <p:pic>
         <p:nvPicPr>
-          <p:cNvPr id="5" name="Obrázok 4" descr="Obrázok, na ktorom je text, písmo, snímka obrazovky, grafika&#10;&#10;Automaticky generovaný popis">
+          <p:cNvPr id="9" name="Picture 8">
             <a:extLst>
               <a:ext uri="{FF2B5EF4-FFF2-40B4-BE49-F238E27FC236}">
-                <a16:creationId xmlns:a16="http://schemas.microsoft.com/office/drawing/2014/main" id="{94FA718B-4026-80CA-F0B8-794CD97D90E3}"/>
+                <a16:creationId xmlns:a16="http://schemas.microsoft.com/office/drawing/2014/main" id="{803BFECF-C247-BEC3-16A4-2EA7E9446E8E}"/>
               </a:ext>
             </a:extLst>
           </p:cNvPr>
@@ -4826,7 +5385,7 @@
           <p:nvPr/>
         </p:nvPicPr>
         <p:blipFill>
-          <a:blip r:embed="rId2" cstate="print">
+          <a:blip r:embed="rId3">
             <a:extLst>
               <a:ext uri="{28A0092B-C50C-407E-A947-70E740481C1C}">
                 <a14:useLocalDpi xmlns:a14="http://schemas.microsoft.com/office/drawing/2010/main" val="0"/>
@@ -4839,8 +5398,8 @@
         </p:blipFill>
         <p:spPr>
           <a:xfrm>
-            <a:off x="10360241" y="10082"/>
-            <a:ext cx="1831759" cy="1505157"/>
+            <a:off x="9931400" y="0"/>
+            <a:ext cx="2260600" cy="1295400"/>
           </a:xfrm>
           <a:prstGeom prst="rect">
             <a:avLst/>
@@ -4850,7 +5409,7 @@
     </p:spTree>
     <p:extLst>
       <p:ext uri="{BB962C8B-B14F-4D97-AF65-F5344CB8AC3E}">
-        <p14:creationId xmlns:p14="http://schemas.microsoft.com/office/powerpoint/2010/main" val="1181572061"/>
+        <p14:creationId xmlns:p14="http://schemas.microsoft.com/office/powerpoint/2010/main" val="2510610563"/>
       </p:ext>
     </p:extLst>
   </p:cSld>
@@ -4865,7 +5424,13 @@
   <p:cSld>
     <p:spTree>
       <p:nvGrpSpPr>
-        <p:cNvPr id="1" name=""/>
+        <p:cNvPr id="1" name="">
+          <a:extLst>
+            <a:ext uri="{FF2B5EF4-FFF2-40B4-BE49-F238E27FC236}">
+              <a16:creationId xmlns:a16="http://schemas.microsoft.com/office/drawing/2014/main" id="{2AD20848-0EAE-4B1E-C774-567702B778FB}"/>
+            </a:ext>
+          </a:extLst>
+        </p:cNvPr>
         <p:cNvGrpSpPr/>
         <p:nvPr/>
       </p:nvGrpSpPr>
@@ -4879,7 +5444,13 @@
       </p:grpSpPr>
       <p:sp>
         <p:nvSpPr>
-          <p:cNvPr id="2" name="Title 1"/>
+          <p:cNvPr id="2" name="Title 1">
+            <a:extLst>
+              <a:ext uri="{FF2B5EF4-FFF2-40B4-BE49-F238E27FC236}">
+                <a16:creationId xmlns:a16="http://schemas.microsoft.com/office/drawing/2014/main" id="{7DE380F7-7755-EAA2-F17F-BDEE1ACF727F}"/>
+              </a:ext>
+            </a:extLst>
+          </p:cNvPr>
           <p:cNvSpPr>
             <a:spLocks noGrp="1"/>
           </p:cNvSpPr>
@@ -4899,14 +5470,20 @@
           <a:p>
             <a:r>
               <a:rPr lang="sk-SK" dirty="0"/>
-              <a:t>Rady a odporúčania</a:t>
-            </a:r>
-          </a:p>
-        </p:txBody>
-      </p:sp>
-      <p:sp>
-        <p:nvSpPr>
-          <p:cNvPr id="3" name="Content Placeholder 2"/>
+              <a:t>Overené podobné riešenia</a:t>
+            </a:r>
+          </a:p>
+        </p:txBody>
+      </p:sp>
+      <p:sp>
+        <p:nvSpPr>
+          <p:cNvPr id="3" name="Content Placeholder 2">
+            <a:extLst>
+              <a:ext uri="{FF2B5EF4-FFF2-40B4-BE49-F238E27FC236}">
+                <a16:creationId xmlns:a16="http://schemas.microsoft.com/office/drawing/2014/main" id="{B22D3BE0-01C0-717D-C9F7-0990423191A8}"/>
+              </a:ext>
+            </a:extLst>
+          </p:cNvPr>
           <p:cNvSpPr>
             <a:spLocks noGrp="1"/>
           </p:cNvSpPr>
@@ -4916,294 +5493,106 @@
         </p:nvSpPr>
         <p:spPr/>
         <p:txBody>
-          <a:bodyPr>
-            <a:normAutofit fontScale="92500" lnSpcReduction="20000"/>
+          <a:bodyPr/>
+          <a:lstStyle/>
+          <a:p>
+            <a:pPr marL="0" indent="0">
+              <a:buNone/>
+            </a:pPr>
+            <a:r>
+              <a:rPr lang="sk-SK" sz="2800" dirty="0" err="1"/>
+              <a:t>Blackstone</a:t>
+            </a:r>
+            <a:r>
+              <a:rPr lang="sk-SK" sz="2800" dirty="0"/>
+              <a:t> – britské riešenie, </a:t>
+            </a:r>
+            <a:r>
+              <a:rPr lang="sk-SK" sz="2800" noProof="1"/>
+              <a:t>využivajúce</a:t>
+            </a:r>
+            <a:r>
+              <a:rPr lang="sk-SK" sz="2800" dirty="0"/>
+              <a:t> strojové učenie</a:t>
+            </a:r>
+          </a:p>
+        </p:txBody>
+      </p:sp>
+      <p:sp>
+        <p:nvSpPr>
+          <p:cNvPr id="5" name="Rectangle 4">
+            <a:extLst>
+              <a:ext uri="{FF2B5EF4-FFF2-40B4-BE49-F238E27FC236}">
+                <a16:creationId xmlns:a16="http://schemas.microsoft.com/office/drawing/2014/main" id="{B4A55019-22A4-32AD-4E1E-27EF8A192991}"/>
+              </a:ext>
+            </a:extLst>
+          </p:cNvPr>
+          <p:cNvSpPr/>
+          <p:nvPr/>
+        </p:nvSpPr>
+        <p:spPr>
+          <a:xfrm>
+            <a:off x="265319" y="6311900"/>
+            <a:ext cx="8290283" cy="369332"/>
+          </a:xfrm>
+          <a:prstGeom prst="rect">
+            <a:avLst/>
+          </a:prstGeom>
+        </p:spPr>
+        <p:txBody>
+          <a:bodyPr wrap="square">
+            <a:spAutoFit/>
           </a:bodyPr>
           <a:lstStyle/>
           <a:p>
             <a:r>
-              <a:rPr lang="sk-SK" sz="1800" b="1" dirty="0">
-                <a:solidFill>
-                  <a:srgbClr val="FF0000"/>
-                </a:solidFill>
-              </a:rPr>
-              <a:t>Prípravu prezentácie konzultujte s vedúcim vašej BP.</a:t>
-            </a:r>
-          </a:p>
-          <a:p>
-            <a:r>
-              <a:rPr lang="sk-SK" sz="1800" dirty="0">
-                <a:solidFill>
-                  <a:srgbClr val="FF0000"/>
-                </a:solidFill>
-              </a:rPr>
-              <a:t>Každý </a:t>
-            </a:r>
-            <a:r>
-              <a:rPr lang="sk-SK" sz="1800" dirty="0" err="1">
-                <a:solidFill>
-                  <a:srgbClr val="FF0000"/>
-                </a:solidFill>
-              </a:rPr>
-              <a:t>slajd</a:t>
-            </a:r>
-            <a:r>
-              <a:rPr lang="sk-SK" sz="1800" dirty="0">
-                <a:solidFill>
-                  <a:srgbClr val="FF0000"/>
-                </a:solidFill>
-              </a:rPr>
-              <a:t> by mal mať svoj nadpis, resp. podnadpis.</a:t>
-            </a:r>
-          </a:p>
-          <a:p>
-            <a:r>
-              <a:rPr lang="sk-SK" sz="1800" dirty="0">
-                <a:solidFill>
-                  <a:srgbClr val="FF0000"/>
-                </a:solidFill>
-              </a:rPr>
-              <a:t>Ako formát prezentácie odporúčame </a:t>
-            </a:r>
-            <a:r>
-              <a:rPr lang="sk-SK" sz="1800" b="1" dirty="0">
-                <a:solidFill>
-                  <a:srgbClr val="FF0000"/>
-                </a:solidFill>
-              </a:rPr>
-              <a:t>.</a:t>
-            </a:r>
-            <a:r>
-              <a:rPr lang="sk-SK" sz="1800" b="1" dirty="0" err="1">
-                <a:solidFill>
-                  <a:srgbClr val="FF0000"/>
-                </a:solidFill>
-              </a:rPr>
-              <a:t>pdf</a:t>
-            </a:r>
-            <a:r>
-              <a:rPr lang="sk-SK" sz="1800" dirty="0">
-                <a:solidFill>
-                  <a:srgbClr val="FF0000"/>
-                </a:solidFill>
-              </a:rPr>
-              <a:t>, nie .</a:t>
-            </a:r>
-            <a:r>
-              <a:rPr lang="sk-SK" sz="1800" dirty="0" err="1">
-                <a:solidFill>
-                  <a:srgbClr val="FF0000"/>
-                </a:solidFill>
-              </a:rPr>
-              <a:t>ppt</a:t>
-            </a:r>
-            <a:r>
-              <a:rPr lang="sk-SK" sz="1800" dirty="0">
-                <a:solidFill>
-                  <a:srgbClr val="FF0000"/>
-                </a:solidFill>
-              </a:rPr>
-              <a:t> alebo .</a:t>
-            </a:r>
-            <a:r>
-              <a:rPr lang="sk-SK" sz="1800" dirty="0" err="1">
-                <a:solidFill>
-                  <a:srgbClr val="FF0000"/>
-                </a:solidFill>
-              </a:rPr>
-              <a:t>pptx</a:t>
-            </a:r>
-            <a:r>
-              <a:rPr lang="sk-SK" sz="1800" dirty="0">
-                <a:solidFill>
-                  <a:srgbClr val="FF0000"/>
-                </a:solidFill>
-              </a:rPr>
-              <a:t>.</a:t>
-            </a:r>
-          </a:p>
-          <a:p>
-            <a:r>
-              <a:rPr lang="sk-SK" sz="1800" dirty="0">
-                <a:solidFill>
-                  <a:srgbClr val="FF0000"/>
-                </a:solidFill>
-              </a:rPr>
-              <a:t>Zistite si pomer strán dataprojektora (4:3 alebo 16:9). Ak neviete, zvoľte pomer strán v prezentácii 4:3.</a:t>
-            </a:r>
-          </a:p>
-          <a:p>
-            <a:r>
-              <a:rPr lang="sk-SK" sz="1800" dirty="0">
-                <a:solidFill>
-                  <a:srgbClr val="FF0000"/>
-                </a:solidFill>
-              </a:rPr>
-              <a:t>Nepoužívajte </a:t>
-            </a:r>
-          </a:p>
-          <a:p>
-            <a:pPr lvl="1"/>
-            <a:r>
-              <a:rPr lang="sk-SK" sz="1600" dirty="0">
-                <a:solidFill>
-                  <a:srgbClr val="FF0000"/>
-                </a:solidFill>
-              </a:rPr>
-              <a:t>hyperlinky a </a:t>
-            </a:r>
-            <a:r>
-              <a:rPr lang="sk-SK" sz="1600" dirty="0" err="1">
-                <a:solidFill>
-                  <a:srgbClr val="FF0000"/>
-                </a:solidFill>
-              </a:rPr>
-              <a:t>prekliky</a:t>
-            </a:r>
-            <a:r>
-              <a:rPr lang="sk-SK" sz="1600" dirty="0">
-                <a:solidFill>
-                  <a:srgbClr val="FF0000"/>
-                </a:solidFill>
-              </a:rPr>
-              <a:t> na iné súbory, vyhnite sa animáciám,</a:t>
-            </a:r>
-          </a:p>
-          <a:p>
-            <a:pPr lvl="1"/>
-            <a:r>
-              <a:rPr lang="sk-SK" sz="1600" dirty="0">
-                <a:solidFill>
-                  <a:srgbClr val="FF0000"/>
-                </a:solidFill>
-              </a:rPr>
-              <a:t>anglické názvy v obrázkoch, grafoch a pod.,</a:t>
-            </a:r>
-          </a:p>
-          <a:p>
-            <a:pPr lvl="1"/>
-            <a:r>
-              <a:rPr lang="sk-SK" sz="1600" dirty="0">
-                <a:solidFill>
-                  <a:srgbClr val="FF0000"/>
-                </a:solidFill>
-              </a:rPr>
-              <a:t>veľa textu na </a:t>
-            </a:r>
-            <a:r>
-              <a:rPr lang="sk-SK" sz="1600" dirty="0" err="1">
-                <a:solidFill>
-                  <a:srgbClr val="FF0000"/>
-                </a:solidFill>
-              </a:rPr>
-              <a:t>slajdoch</a:t>
-            </a:r>
-            <a:r>
-              <a:rPr lang="sk-SK" sz="1600" dirty="0">
-                <a:solidFill>
-                  <a:srgbClr val="FF0000"/>
-                </a:solidFill>
-              </a:rPr>
-              <a:t> (menej je viac).</a:t>
-            </a:r>
-          </a:p>
-          <a:p>
-            <a:r>
-              <a:rPr lang="sk-SK" sz="1800" dirty="0">
-                <a:solidFill>
-                  <a:srgbClr val="FF0000"/>
-                </a:solidFill>
-              </a:rPr>
-              <a:t>Používajte číslovanie </a:t>
-            </a:r>
-            <a:r>
-              <a:rPr lang="sk-SK" sz="1800" dirty="0" err="1">
-                <a:solidFill>
-                  <a:srgbClr val="FF0000"/>
-                </a:solidFill>
-              </a:rPr>
-              <a:t>slajdov</a:t>
-            </a:r>
-            <a:r>
-              <a:rPr lang="sk-SK" sz="1800" dirty="0">
-                <a:solidFill>
-                  <a:srgbClr val="FF0000"/>
-                </a:solidFill>
-              </a:rPr>
-              <a:t> (koľký / z koľkých).</a:t>
-            </a:r>
-          </a:p>
-          <a:p>
-            <a:r>
-              <a:rPr lang="sk-SK" sz="1800" dirty="0">
-                <a:solidFill>
-                  <a:srgbClr val="FF0000"/>
-                </a:solidFill>
-              </a:rPr>
-              <a:t>Text, údaje v tabuľkách a grafoch musia byť dobre čitateľné (veľkosť písma, farby, hrúbka čiar v grafoch).</a:t>
-            </a:r>
-          </a:p>
-          <a:p>
-            <a:r>
-              <a:rPr lang="sk-SK" sz="1800" dirty="0">
-                <a:solidFill>
-                  <a:srgbClr val="FF0000"/>
-                </a:solidFill>
-              </a:rPr>
-              <a:t>Text na </a:t>
-            </a:r>
-            <a:r>
-              <a:rPr lang="sk-SK" sz="1800" dirty="0" err="1">
-                <a:solidFill>
-                  <a:srgbClr val="FF0000"/>
-                </a:solidFill>
-              </a:rPr>
-              <a:t>slajdoch</a:t>
-            </a:r>
-            <a:r>
-              <a:rPr lang="sk-SK" sz="1800" dirty="0">
-                <a:solidFill>
-                  <a:srgbClr val="FF0000"/>
-                </a:solidFill>
-              </a:rPr>
-              <a:t> čleňte napr. pomocou odrážok, využívajte zmenu veľkosti písma, dôležité časti textu zvýraznite napr. farebne, podčiarknutím a pod.</a:t>
-            </a:r>
-          </a:p>
-          <a:p>
-            <a:r>
-              <a:rPr lang="sk-SK" sz="1800" dirty="0">
-                <a:solidFill>
-                  <a:srgbClr val="FF0000"/>
-                </a:solidFill>
-              </a:rPr>
-              <a:t>Skontrolujte si gramatiku a preklepy.</a:t>
-            </a:r>
-          </a:p>
-          <a:p>
-            <a:r>
-              <a:rPr lang="sk-SK" sz="1800" dirty="0">
-                <a:solidFill>
-                  <a:srgbClr val="FF0000"/>
-                </a:solidFill>
-              </a:rPr>
-              <a:t>Vizuálna stránka prezentácie je dôležitá, ale nepreceňujte ju. </a:t>
-            </a:r>
-          </a:p>
-          <a:p>
-            <a:r>
-              <a:rPr lang="sk-SK" sz="1800" b="1" dirty="0">
-                <a:solidFill>
-                  <a:srgbClr val="FF0000"/>
-                </a:solidFill>
-              </a:rPr>
-              <a:t>Dôležitý je najmä obsah prezentácie!</a:t>
-            </a:r>
-          </a:p>
-        </p:txBody>
-      </p:sp>
-      <p:sp>
-        <p:nvSpPr>
-          <p:cNvPr id="11" name="Rectangle 4"/>
+              <a:rPr lang="sk-SK" dirty="0"/>
+              <a:t>Autor: Samuel Bagín</a:t>
+            </a:r>
+          </a:p>
+        </p:txBody>
+      </p:sp>
+      <p:sp>
+        <p:nvSpPr>
+          <p:cNvPr id="10" name="Zástupný symbol čísla snímky 9">
+            <a:extLst>
+              <a:ext uri="{FF2B5EF4-FFF2-40B4-BE49-F238E27FC236}">
+                <a16:creationId xmlns:a16="http://schemas.microsoft.com/office/drawing/2014/main" id="{5FFE2A80-C845-8B80-8EBC-B0930091205A}"/>
+              </a:ext>
+            </a:extLst>
+          </p:cNvPr>
+          <p:cNvSpPr>
+            <a:spLocks noGrp="1"/>
+          </p:cNvSpPr>
+          <p:nvPr>
+            <p:ph type="sldNum" sz="quarter" idx="12"/>
+          </p:nvPr>
+        </p:nvSpPr>
+        <p:spPr/>
+        <p:txBody>
+          <a:bodyPr/>
+          <a:lstStyle/>
+          <a:p>
+            <a:fld id="{64B786DF-79B9-4B70-985F-88F544DCD793}" type="slidenum">
+              <a:rPr lang="sk-SK" smtClean="0"/>
+              <a:t>5</a:t>
+            </a:fld>
+            <a:r>
+              <a:rPr lang="sk-SK" dirty="0"/>
+              <a:t>/8</a:t>
+            </a:r>
+          </a:p>
+        </p:txBody>
+      </p:sp>
+      <p:sp>
+        <p:nvSpPr>
+          <p:cNvPr id="11" name="Rectangle 4">
+            <a:extLst>
+              <a:ext uri="{FF2B5EF4-FFF2-40B4-BE49-F238E27FC236}">
+                <a16:creationId xmlns:a16="http://schemas.microsoft.com/office/drawing/2014/main" id="{8FB54A3A-C542-6DF1-7F54-B6FF79E3E41A}"/>
+              </a:ext>
+            </a:extLst>
+          </p:cNvPr>
           <p:cNvSpPr/>
           <p:nvPr/>
         </p:nvSpPr>
@@ -5251,88 +5640,10 @@
       </p:sp>
       <p:sp>
         <p:nvSpPr>
-          <p:cNvPr id="12" name="Zástupný symbol čísla snímky 9"/>
-          <p:cNvSpPr>
-            <a:spLocks noGrp="1"/>
-          </p:cNvSpPr>
-          <p:nvPr>
-            <p:ph type="sldNum" sz="quarter" idx="12"/>
-          </p:nvPr>
-        </p:nvSpPr>
-        <p:spPr>
-          <a:xfrm>
-            <a:off x="8610600" y="6356350"/>
-            <a:ext cx="2743200" cy="365125"/>
-          </a:xfrm>
-        </p:spPr>
-        <p:txBody>
-          <a:bodyPr/>
-          <a:lstStyle/>
-          <a:p>
-            <a:fld id="{64B786DF-79B9-4B70-985F-88F544DCD793}" type="slidenum">
-              <a:rPr lang="sk-SK" smtClean="0"/>
-              <a:t>5</a:t>
-            </a:fld>
-            <a:r>
-              <a:rPr lang="sk-SK" dirty="0"/>
-              <a:t>/8</a:t>
-            </a:r>
-          </a:p>
-        </p:txBody>
-      </p:sp>
-      <p:sp>
-        <p:nvSpPr>
-          <p:cNvPr id="13" name="Rectangle 4">
-            <a:extLst>
-              <a:ext uri="{FF2B5EF4-FFF2-40B4-BE49-F238E27FC236}">
-                <a16:creationId xmlns:a16="http://schemas.microsoft.com/office/drawing/2014/main" id="{3E219D24-F529-4803-9551-4CAB62588C9E}"/>
-              </a:ext>
-            </a:extLst>
-          </p:cNvPr>
-          <p:cNvSpPr/>
-          <p:nvPr/>
-        </p:nvSpPr>
-        <p:spPr>
-          <a:xfrm>
-            <a:off x="265319" y="6311900"/>
-            <a:ext cx="8290283" cy="369332"/>
-          </a:xfrm>
-          <a:prstGeom prst="rect">
-            <a:avLst/>
-          </a:prstGeom>
-        </p:spPr>
-        <p:txBody>
-          <a:bodyPr wrap="square">
-            <a:spAutoFit/>
-          </a:bodyPr>
-          <a:lstStyle/>
-          <a:p>
-            <a:r>
-              <a:rPr lang="sk-SK" dirty="0"/>
-              <a:t>Autor: </a:t>
-            </a:r>
-            <a:r>
-              <a:rPr lang="sk-SK" dirty="0">
-                <a:solidFill>
-                  <a:srgbClr val="FF0000"/>
-                </a:solidFill>
-              </a:rPr>
-              <a:t>meno, priezvisko </a:t>
-            </a:r>
-            <a:endParaRPr lang="sk-SK" dirty="0">
-              <a:solidFill>
-                <a:srgbClr val="00B0F0"/>
-              </a:solidFill>
-            </a:endParaRPr>
-          </a:p>
-        </p:txBody>
-      </p:sp>
-      <p:sp>
-        <p:nvSpPr>
           <p:cNvPr id="4" name="Rectangle 3">
             <a:extLst>
               <a:ext uri="{FF2B5EF4-FFF2-40B4-BE49-F238E27FC236}">
-                <a16:creationId xmlns:a16="http://schemas.microsoft.com/office/drawing/2014/main" id="{1A7FC7CC-A271-1319-1045-21F536D61A3C}"/>
+                <a16:creationId xmlns:a16="http://schemas.microsoft.com/office/drawing/2014/main" id="{3C48ABBE-6C9E-CBBB-DB21-72D328CFCD7C}"/>
               </a:ext>
             </a:extLst>
           </p:cNvPr>
@@ -5383,10 +5694,10 @@
       </p:sp>
       <p:sp>
         <p:nvSpPr>
-          <p:cNvPr id="6" name="Rectangle 5">
+          <p:cNvPr id="8" name="Rectangle 5">
             <a:extLst>
               <a:ext uri="{FF2B5EF4-FFF2-40B4-BE49-F238E27FC236}">
-                <a16:creationId xmlns:a16="http://schemas.microsoft.com/office/drawing/2014/main" id="{9D3DC20F-4FD7-F16B-946B-5A619B3A25D5}"/>
+                <a16:creationId xmlns:a16="http://schemas.microsoft.com/office/drawing/2014/main" id="{70062AD9-6EA3-C416-D69C-70B38DB12198}"/>
               </a:ext>
             </a:extLst>
           </p:cNvPr>
@@ -5414,17 +5725,17 @@
                   <a:srgbClr val="264D99"/>
                 </a:solidFill>
               </a:rPr>
-              <a:t>Názov BP</a:t>
+              <a:t>Využitie LLM pre právne dokumenty</a:t>
             </a:r>
           </a:p>
         </p:txBody>
       </p:sp>
       <p:pic>
         <p:nvPicPr>
-          <p:cNvPr id="5" name="Obrázok 4" descr="Obrázok, na ktorom je text, písmo, snímka obrazovky, grafika&#10;&#10;Automaticky generovaný popis">
+          <p:cNvPr id="9" name="Picture 8">
             <a:extLst>
               <a:ext uri="{FF2B5EF4-FFF2-40B4-BE49-F238E27FC236}">
-                <a16:creationId xmlns:a16="http://schemas.microsoft.com/office/drawing/2014/main" id="{EE3FFB47-0606-49ED-A192-2873DE45C999}"/>
+                <a16:creationId xmlns:a16="http://schemas.microsoft.com/office/drawing/2014/main" id="{51AA0C39-54D5-6265-6B03-E9C3E1EE5643}"/>
               </a:ext>
             </a:extLst>
           </p:cNvPr>
@@ -5434,7 +5745,7 @@
           <p:nvPr/>
         </p:nvPicPr>
         <p:blipFill>
-          <a:blip r:embed="rId3" cstate="print">
+          <a:blip r:embed="rId3">
             <a:extLst>
               <a:ext uri="{28A0092B-C50C-407E-A947-70E740481C1C}">
                 <a14:useLocalDpi xmlns:a14="http://schemas.microsoft.com/office/drawing/2010/main" val="0"/>
@@ -5447,8 +5758,8 @@
         </p:blipFill>
         <p:spPr>
           <a:xfrm>
-            <a:off x="10360241" y="10082"/>
-            <a:ext cx="1831759" cy="1505157"/>
+            <a:off x="9931400" y="0"/>
+            <a:ext cx="2260600" cy="1295400"/>
           </a:xfrm>
           <a:prstGeom prst="rect">
             <a:avLst/>
@@ -5458,7 +5769,7 @@
     </p:spTree>
     <p:extLst>
       <p:ext uri="{BB962C8B-B14F-4D97-AF65-F5344CB8AC3E}">
-        <p14:creationId xmlns:p14="http://schemas.microsoft.com/office/powerpoint/2010/main" val="4001686654"/>
+        <p14:creationId xmlns:p14="http://schemas.microsoft.com/office/powerpoint/2010/main" val="3195150876"/>
       </p:ext>
     </p:extLst>
   </p:cSld>
@@ -5473,7 +5784,13 @@
   <p:cSld>
     <p:spTree>
       <p:nvGrpSpPr>
-        <p:cNvPr id="1" name=""/>
+        <p:cNvPr id="1" name="">
+          <a:extLst>
+            <a:ext uri="{FF2B5EF4-FFF2-40B4-BE49-F238E27FC236}">
+              <a16:creationId xmlns:a16="http://schemas.microsoft.com/office/drawing/2014/main" id="{E2892D62-A723-8A2A-FFE9-93C22D6D4619}"/>
+            </a:ext>
+          </a:extLst>
+        </p:cNvPr>
         <p:cNvGrpSpPr/>
         <p:nvPr/>
       </p:nvGrpSpPr>
@@ -5487,7 +5804,46 @@
       </p:grpSpPr>
       <p:sp>
         <p:nvSpPr>
-          <p:cNvPr id="3" name="Content Placeholder 2"/>
+          <p:cNvPr id="2" name="Title 1">
+            <a:extLst>
+              <a:ext uri="{FF2B5EF4-FFF2-40B4-BE49-F238E27FC236}">
+                <a16:creationId xmlns:a16="http://schemas.microsoft.com/office/drawing/2014/main" id="{607AB81D-2A14-5C13-7F51-0BA8401F15AE}"/>
+              </a:ext>
+            </a:extLst>
+          </p:cNvPr>
+          <p:cNvSpPr>
+            <a:spLocks noGrp="1"/>
+          </p:cNvSpPr>
+          <p:nvPr>
+            <p:ph type="title"/>
+          </p:nvPr>
+        </p:nvSpPr>
+        <p:spPr>
+          <a:xfrm>
+            <a:off x="838200" y="814613"/>
+            <a:ext cx="10515600" cy="876075"/>
+          </a:xfrm>
+        </p:spPr>
+        <p:txBody>
+          <a:bodyPr/>
+          <a:lstStyle/>
+          <a:p>
+            <a:r>
+              <a:rPr lang="sk-SK" dirty="0"/>
+              <a:t>Plán na letný semester</a:t>
+            </a:r>
+          </a:p>
+        </p:txBody>
+      </p:sp>
+      <p:sp>
+        <p:nvSpPr>
+          <p:cNvPr id="3" name="Content Placeholder 2">
+            <a:extLst>
+              <a:ext uri="{FF2B5EF4-FFF2-40B4-BE49-F238E27FC236}">
+                <a16:creationId xmlns:a16="http://schemas.microsoft.com/office/drawing/2014/main" id="{CEB0FD01-C84A-E303-AFCB-F83264900D84}"/>
+              </a:ext>
+            </a:extLst>
+          </p:cNvPr>
           <p:cNvSpPr>
             <a:spLocks noGrp="1"/>
           </p:cNvSpPr>
@@ -5497,127 +5853,90 @@
         </p:nvSpPr>
         <p:spPr/>
         <p:txBody>
-          <a:bodyPr>
-            <a:normAutofit/>
+          <a:bodyPr/>
+          <a:lstStyle/>
+          <a:p>
+            <a:r>
+              <a:rPr lang="sk-SK" dirty="0"/>
+              <a:t>Implementovanie </a:t>
+            </a:r>
+            <a:r>
+              <a:rPr lang="sk-SK" dirty="0" err="1"/>
+              <a:t>multi</a:t>
+            </a:r>
+            <a:r>
+              <a:rPr lang="sk-SK" dirty="0"/>
+              <a:t>-hop vyhľadávania</a:t>
+            </a:r>
+          </a:p>
+          <a:p>
+            <a:r>
+              <a:rPr lang="sk-SK" dirty="0"/>
+              <a:t>Zobrazovanie nájdených znalostných grafov</a:t>
+            </a:r>
+          </a:p>
+          <a:p>
+            <a:r>
+              <a:rPr lang="sk-SK" dirty="0"/>
+              <a:t>Vytvorenie používateľského rozhrania</a:t>
+            </a:r>
+          </a:p>
+          <a:p>
+            <a:r>
+              <a:rPr lang="sk-SK" dirty="0"/>
+              <a:t>Optimalizácia </a:t>
+            </a:r>
+            <a:r>
+              <a:rPr lang="sk-SK" dirty="0" err="1"/>
+              <a:t>promptov</a:t>
+            </a:r>
+            <a:endParaRPr lang="sk-SK" dirty="0"/>
+          </a:p>
+        </p:txBody>
+      </p:sp>
+      <p:sp>
+        <p:nvSpPr>
+          <p:cNvPr id="5" name="Rectangle 4">
+            <a:extLst>
+              <a:ext uri="{FF2B5EF4-FFF2-40B4-BE49-F238E27FC236}">
+                <a16:creationId xmlns:a16="http://schemas.microsoft.com/office/drawing/2014/main" id="{2547D027-B340-B2D1-DC1E-3B6716D92D65}"/>
+              </a:ext>
+            </a:extLst>
+          </p:cNvPr>
+          <p:cNvSpPr/>
+          <p:nvPr/>
+        </p:nvSpPr>
+        <p:spPr>
+          <a:xfrm>
+            <a:off x="265319" y="6311900"/>
+            <a:ext cx="8290283" cy="369332"/>
+          </a:xfrm>
+          <a:prstGeom prst="rect">
+            <a:avLst/>
+          </a:prstGeom>
+        </p:spPr>
+        <p:txBody>
+          <a:bodyPr wrap="square">
+            <a:spAutoFit/>
           </a:bodyPr>
           <a:lstStyle/>
           <a:p>
             <a:r>
-              <a:rPr lang="sk-SK" b="1" dirty="0">
-                <a:solidFill>
-                  <a:srgbClr val="FF0000"/>
-                </a:solidFill>
-              </a:rPr>
-              <a:t>Prezentáciu si nacvičte</a:t>
-            </a:r>
-          </a:p>
-          <a:p>
-            <a:pPr lvl="1"/>
-            <a:r>
-              <a:rPr lang="sk-SK" dirty="0">
-                <a:solidFill>
-                  <a:srgbClr val="FF0000"/>
-                </a:solidFill>
-              </a:rPr>
-              <a:t>Prezentáciu si trénujte nahlas. Stopujte si čas. </a:t>
-            </a:r>
-          </a:p>
-          <a:p>
-            <a:pPr lvl="1"/>
-            <a:r>
-              <a:rPr lang="sk-SK" dirty="0">
-                <a:solidFill>
-                  <a:srgbClr val="FF0000"/>
-                </a:solidFill>
-              </a:rPr>
-              <a:t>Na prezentáciu budete mať </a:t>
-            </a:r>
-            <a:r>
-              <a:rPr lang="sk-SK" b="1" dirty="0">
-                <a:solidFill>
-                  <a:srgbClr val="FF0000"/>
-                </a:solidFill>
-              </a:rPr>
-              <a:t>10 minút.</a:t>
-            </a:r>
-          </a:p>
-          <a:p>
-            <a:pPr lvl="2"/>
-            <a:r>
-              <a:rPr lang="sk-SK" dirty="0">
-                <a:solidFill>
-                  <a:srgbClr val="FF0000"/>
-                </a:solidFill>
-              </a:rPr>
-              <a:t>Nie je vhodné, aby bola prezentácia oveľa kratšia ako stanovený čas.</a:t>
-            </a:r>
-          </a:p>
-          <a:p>
-            <a:pPr lvl="1"/>
-            <a:r>
-              <a:rPr lang="sk-SK" b="1" u="sng" dirty="0">
-                <a:solidFill>
-                  <a:srgbClr val="FF0000"/>
-                </a:solidFill>
-              </a:rPr>
-              <a:t>Je nevhodné čítať sprievodný text k prezentácii</a:t>
-            </a:r>
-            <a:r>
-              <a:rPr lang="sk-SK" dirty="0">
-                <a:solidFill>
-                  <a:srgbClr val="FF0000"/>
-                </a:solidFill>
-              </a:rPr>
-              <a:t>, resp. len čítať text zo </a:t>
-            </a:r>
-            <a:r>
-              <a:rPr lang="sk-SK" dirty="0" err="1">
-                <a:solidFill>
-                  <a:srgbClr val="FF0000"/>
-                </a:solidFill>
-              </a:rPr>
-              <a:t>slajdov</a:t>
-            </a:r>
-            <a:r>
-              <a:rPr lang="sk-SK" dirty="0">
-                <a:solidFill>
-                  <a:srgbClr val="FF0000"/>
-                </a:solidFill>
-              </a:rPr>
-              <a:t>.</a:t>
-            </a:r>
-          </a:p>
-          <a:p>
-            <a:r>
-              <a:rPr lang="sk-SK" dirty="0">
-                <a:solidFill>
-                  <a:srgbClr val="FF0000"/>
-                </a:solidFill>
-              </a:rPr>
-              <a:t>Počas prezentácie používajte </a:t>
-            </a:r>
-            <a:r>
-              <a:rPr lang="sk-SK" dirty="0" err="1">
-                <a:solidFill>
-                  <a:srgbClr val="FF0000"/>
-                </a:solidFill>
-              </a:rPr>
-              <a:t>prezentér</a:t>
-            </a:r>
-            <a:r>
-              <a:rPr lang="sk-SK" dirty="0">
-                <a:solidFill>
-                  <a:srgbClr val="FF0000"/>
-                </a:solidFill>
-              </a:rPr>
-              <a:t>, ktorý budete mať k dispozícii.</a:t>
-            </a:r>
-          </a:p>
-        </p:txBody>
-      </p:sp>
-      <p:sp>
-        <p:nvSpPr>
-          <p:cNvPr id="10" name="Zástupný symbol čísla snímky 9"/>
+              <a:rPr lang="sk-SK" dirty="0"/>
+              <a:t>Autor: Samuel Bagín</a:t>
+            </a:r>
+          </a:p>
+        </p:txBody>
+      </p:sp>
+      <p:sp>
+        <p:nvSpPr>
+          <p:cNvPr id="10" name="Zástupný symbol čísla snímky 9">
+            <a:extLst>
+              <a:ext uri="{FF2B5EF4-FFF2-40B4-BE49-F238E27FC236}">
+                <a16:creationId xmlns:a16="http://schemas.microsoft.com/office/drawing/2014/main" id="{4A3E1C94-CA05-7192-497C-8281711405B1}"/>
+              </a:ext>
+            </a:extLst>
+          </p:cNvPr>
           <p:cNvSpPr>
             <a:spLocks noGrp="1"/>
           </p:cNvSpPr>
@@ -5643,7 +5962,13 @@
       </p:sp>
       <p:sp>
         <p:nvSpPr>
-          <p:cNvPr id="12" name="Rectangle 4"/>
+          <p:cNvPr id="11" name="Rectangle 4">
+            <a:extLst>
+              <a:ext uri="{FF2B5EF4-FFF2-40B4-BE49-F238E27FC236}">
+                <a16:creationId xmlns:a16="http://schemas.microsoft.com/office/drawing/2014/main" id="{9F959DDA-A09B-7792-0866-C1B7BC6FDA6E}"/>
+              </a:ext>
+            </a:extLst>
+          </p:cNvPr>
           <p:cNvSpPr/>
           <p:nvPr/>
         </p:nvSpPr>
@@ -5691,90 +6016,10 @@
       </p:sp>
       <p:sp>
         <p:nvSpPr>
-          <p:cNvPr id="13" name="Rectangle 4">
-            <a:extLst>
-              <a:ext uri="{FF2B5EF4-FFF2-40B4-BE49-F238E27FC236}">
-                <a16:creationId xmlns:a16="http://schemas.microsoft.com/office/drawing/2014/main" id="{CE0351E5-2D12-447A-9374-0A4175BEA7D6}"/>
-              </a:ext>
-            </a:extLst>
-          </p:cNvPr>
-          <p:cNvSpPr/>
-          <p:nvPr/>
-        </p:nvSpPr>
-        <p:spPr>
-          <a:xfrm>
-            <a:off x="265319" y="6311900"/>
-            <a:ext cx="8290283" cy="369332"/>
-          </a:xfrm>
-          <a:prstGeom prst="rect">
-            <a:avLst/>
-          </a:prstGeom>
-        </p:spPr>
-        <p:txBody>
-          <a:bodyPr wrap="square">
-            <a:spAutoFit/>
-          </a:bodyPr>
-          <a:lstStyle/>
-          <a:p>
-            <a:r>
-              <a:rPr lang="sk-SK" dirty="0"/>
-              <a:t>Autor: </a:t>
-            </a:r>
-            <a:r>
-              <a:rPr lang="sk-SK" dirty="0">
-                <a:solidFill>
-                  <a:srgbClr val="FF0000"/>
-                </a:solidFill>
-              </a:rPr>
-              <a:t>meno, priezvisko </a:t>
-            </a:r>
-            <a:endParaRPr lang="sk-SK" dirty="0">
-              <a:solidFill>
-                <a:srgbClr val="00B0F0"/>
-              </a:solidFill>
-            </a:endParaRPr>
-          </a:p>
-        </p:txBody>
-      </p:sp>
-      <p:sp>
-        <p:nvSpPr>
-          <p:cNvPr id="14" name="Title 1">
-            <a:extLst>
-              <a:ext uri="{FF2B5EF4-FFF2-40B4-BE49-F238E27FC236}">
-                <a16:creationId xmlns:a16="http://schemas.microsoft.com/office/drawing/2014/main" id="{F5A65AED-93C4-A75B-E792-AA3E55812D01}"/>
-              </a:ext>
-            </a:extLst>
-          </p:cNvPr>
-          <p:cNvSpPr>
-            <a:spLocks noGrp="1"/>
-          </p:cNvSpPr>
-          <p:nvPr>
-            <p:ph type="title"/>
-          </p:nvPr>
-        </p:nvSpPr>
-        <p:spPr>
-          <a:xfrm>
-            <a:off x="838200" y="814613"/>
-            <a:ext cx="10515600" cy="876075"/>
-          </a:xfrm>
-        </p:spPr>
-        <p:txBody>
-          <a:bodyPr/>
-          <a:lstStyle/>
-          <a:p>
-            <a:r>
-              <a:rPr lang="sk-SK" dirty="0"/>
-              <a:t>Rady a odporúčania</a:t>
-            </a:r>
-          </a:p>
-        </p:txBody>
-      </p:sp>
-      <p:sp>
-        <p:nvSpPr>
           <p:cNvPr id="4" name="Rectangle 3">
             <a:extLst>
               <a:ext uri="{FF2B5EF4-FFF2-40B4-BE49-F238E27FC236}">
-                <a16:creationId xmlns:a16="http://schemas.microsoft.com/office/drawing/2014/main" id="{6039C968-59A3-352C-BE9B-5396AF8A8FD6}"/>
+                <a16:creationId xmlns:a16="http://schemas.microsoft.com/office/drawing/2014/main" id="{D01870C0-0F55-F68B-B43C-3AB91CAE4791}"/>
               </a:ext>
             </a:extLst>
           </p:cNvPr>
@@ -5825,10 +6070,10 @@
       </p:sp>
       <p:sp>
         <p:nvSpPr>
-          <p:cNvPr id="6" name="Rectangle 5">
+          <p:cNvPr id="8" name="Rectangle 5">
             <a:extLst>
               <a:ext uri="{FF2B5EF4-FFF2-40B4-BE49-F238E27FC236}">
-                <a16:creationId xmlns:a16="http://schemas.microsoft.com/office/drawing/2014/main" id="{D5B5B5B1-B325-EC97-9096-B08F5F541B1A}"/>
+                <a16:creationId xmlns:a16="http://schemas.microsoft.com/office/drawing/2014/main" id="{8DB77887-E0F4-7E7F-EDEF-C1B1B869AB78}"/>
               </a:ext>
             </a:extLst>
           </p:cNvPr>
@@ -5856,17 +6101,17 @@
                   <a:srgbClr val="264D99"/>
                 </a:solidFill>
               </a:rPr>
-              <a:t>Názov BP</a:t>
+              <a:t>Využitie LLM pre právne dokumenty</a:t>
             </a:r>
           </a:p>
         </p:txBody>
       </p:sp>
       <p:pic>
         <p:nvPicPr>
-          <p:cNvPr id="2" name="Obrázok 1" descr="Obrázok, na ktorom je text, písmo, snímka obrazovky, grafika&#10;&#10;Automaticky generovaný popis">
+          <p:cNvPr id="9" name="Picture 8">
             <a:extLst>
               <a:ext uri="{FF2B5EF4-FFF2-40B4-BE49-F238E27FC236}">
-                <a16:creationId xmlns:a16="http://schemas.microsoft.com/office/drawing/2014/main" id="{A5A634B3-DD62-505F-A18F-1EF51E259F5E}"/>
+                <a16:creationId xmlns:a16="http://schemas.microsoft.com/office/drawing/2014/main" id="{DE1D98B1-E008-0C4C-CE8B-A6E7F3F32054}"/>
               </a:ext>
             </a:extLst>
           </p:cNvPr>
@@ -5876,7 +6121,7 @@
           <p:nvPr/>
         </p:nvPicPr>
         <p:blipFill>
-          <a:blip r:embed="rId2" cstate="print">
+          <a:blip r:embed="rId3">
             <a:extLst>
               <a:ext uri="{28A0092B-C50C-407E-A947-70E740481C1C}">
                 <a14:useLocalDpi xmlns:a14="http://schemas.microsoft.com/office/drawing/2010/main" val="0"/>
@@ -5889,8 +6134,8 @@
         </p:blipFill>
         <p:spPr>
           <a:xfrm>
-            <a:off x="10360241" y="10082"/>
-            <a:ext cx="1831759" cy="1505157"/>
+            <a:off x="9931400" y="0"/>
+            <a:ext cx="2260600" cy="1295400"/>
           </a:xfrm>
           <a:prstGeom prst="rect">
             <a:avLst/>
@@ -5900,7 +6145,7 @@
     </p:spTree>
     <p:extLst>
       <p:ext uri="{BB962C8B-B14F-4D97-AF65-F5344CB8AC3E}">
-        <p14:creationId xmlns:p14="http://schemas.microsoft.com/office/powerpoint/2010/main" val="3454387462"/>
+        <p14:creationId xmlns:p14="http://schemas.microsoft.com/office/powerpoint/2010/main" val="302056406"/>
       </p:ext>
     </p:extLst>
   </p:cSld>
@@ -5911,388 +6156,6 @@
 </file>
 
 <file path=ppt/slides/slide7.xml><?xml version="1.0" encoding="utf-8"?>
-<p:sld xmlns:a="http://schemas.openxmlformats.org/drawingml/2006/main" xmlns:r="http://schemas.openxmlformats.org/officeDocument/2006/relationships" xmlns:p="http://schemas.openxmlformats.org/presentationml/2006/main">
-  <p:cSld>
-    <p:spTree>
-      <p:nvGrpSpPr>
-        <p:cNvPr id="1" name=""/>
-        <p:cNvGrpSpPr/>
-        <p:nvPr/>
-      </p:nvGrpSpPr>
-      <p:grpSpPr>
-        <a:xfrm>
-          <a:off x="0" y="0"/>
-          <a:ext cx="0" cy="0"/>
-          <a:chOff x="0" y="0"/>
-          <a:chExt cx="0" cy="0"/>
-        </a:xfrm>
-      </p:grpSpPr>
-      <p:sp>
-        <p:nvSpPr>
-          <p:cNvPr id="3" name="Content Placeholder 2"/>
-          <p:cNvSpPr>
-            <a:spLocks noGrp="1"/>
-          </p:cNvSpPr>
-          <p:nvPr>
-            <p:ph idx="1"/>
-          </p:nvPr>
-        </p:nvSpPr>
-        <p:spPr/>
-        <p:txBody>
-          <a:bodyPr>
-            <a:normAutofit/>
-          </a:bodyPr>
-          <a:lstStyle/>
-          <a:p>
-            <a:r>
-              <a:rPr lang="sk-SK" sz="2400" dirty="0">
-                <a:solidFill>
-                  <a:srgbClr val="FF0000"/>
-                </a:solidFill>
-              </a:rPr>
-              <a:t>Na začiatku prezentácie nezabudnite osloviť členov komisie.</a:t>
-            </a:r>
-          </a:p>
-          <a:p>
-            <a:r>
-              <a:rPr lang="sk-SK" sz="2400" dirty="0">
-                <a:solidFill>
-                  <a:srgbClr val="FF0000"/>
-                </a:solidFill>
-              </a:rPr>
-              <a:t>Na záver prezentácie poďakujte za pozornosť, </a:t>
-            </a:r>
-            <a:r>
-              <a:rPr lang="sk-SK" sz="2400" u="sng" dirty="0">
-                <a:solidFill>
-                  <a:srgbClr val="FF0000"/>
-                </a:solidFill>
-              </a:rPr>
-              <a:t>nevyzývajte členov komisie, aby vám položili otázky.</a:t>
-            </a:r>
-          </a:p>
-          <a:p>
-            <a:r>
-              <a:rPr lang="sk-SK" sz="2400" dirty="0">
-                <a:solidFill>
-                  <a:srgbClr val="FF0000"/>
-                </a:solidFill>
-              </a:rPr>
-              <a:t>Po vašej prezentácií bude nasledovať diskusia k BP.</a:t>
-            </a:r>
-          </a:p>
-          <a:p>
-            <a:pPr lvl="1"/>
-            <a:r>
-              <a:rPr lang="sk-SK" sz="2000" dirty="0">
-                <a:solidFill>
-                  <a:srgbClr val="FF0000"/>
-                </a:solidFill>
-              </a:rPr>
-              <a:t>Vždy počkajte, kým budete vyzvaný odpovedať.</a:t>
-            </a:r>
-          </a:p>
-        </p:txBody>
-      </p:sp>
-      <p:sp>
-        <p:nvSpPr>
-          <p:cNvPr id="10" name="Zástupný symbol čísla snímky 9"/>
-          <p:cNvSpPr>
-            <a:spLocks noGrp="1"/>
-          </p:cNvSpPr>
-          <p:nvPr>
-            <p:ph type="sldNum" sz="quarter" idx="12"/>
-          </p:nvPr>
-        </p:nvSpPr>
-        <p:spPr/>
-        <p:txBody>
-          <a:bodyPr/>
-          <a:lstStyle/>
-          <a:p>
-            <a:fld id="{64B786DF-79B9-4B70-985F-88F544DCD793}" type="slidenum">
-              <a:rPr lang="sk-SK" smtClean="0"/>
-              <a:t>7</a:t>
-            </a:fld>
-            <a:r>
-              <a:rPr lang="sk-SK" dirty="0"/>
-              <a:t>/8</a:t>
-            </a:r>
-          </a:p>
-        </p:txBody>
-      </p:sp>
-      <p:sp>
-        <p:nvSpPr>
-          <p:cNvPr id="12" name="Rectangle 4"/>
-          <p:cNvSpPr/>
-          <p:nvPr/>
-        </p:nvSpPr>
-        <p:spPr>
-          <a:xfrm>
-            <a:off x="0" y="6261707"/>
-            <a:ext cx="12192000" cy="45719"/>
-          </a:xfrm>
-          <a:prstGeom prst="rect">
-            <a:avLst/>
-          </a:prstGeom>
-          <a:solidFill>
-            <a:srgbClr val="264D99"/>
-          </a:solidFill>
-          <a:ln>
-            <a:solidFill>
-              <a:srgbClr val="264D99"/>
-            </a:solidFill>
-          </a:ln>
-        </p:spPr>
-        <p:style>
-          <a:lnRef idx="2">
-            <a:schemeClr val="accent6">
-              <a:shade val="50000"/>
-            </a:schemeClr>
-          </a:lnRef>
-          <a:fillRef idx="1">
-            <a:schemeClr val="accent6"/>
-          </a:fillRef>
-          <a:effectRef idx="0">
-            <a:schemeClr val="accent6"/>
-          </a:effectRef>
-          <a:fontRef idx="minor">
-            <a:schemeClr val="lt1"/>
-          </a:fontRef>
-        </p:style>
-        <p:txBody>
-          <a:bodyPr rtlCol="0" anchor="ctr"/>
-          <a:lstStyle/>
-          <a:p>
-            <a:pPr algn="ctr"/>
-            <a:endParaRPr lang="sk-SK"/>
-          </a:p>
-        </p:txBody>
-      </p:sp>
-      <p:sp>
-        <p:nvSpPr>
-          <p:cNvPr id="13" name="Rectangle 4">
-            <a:extLst>
-              <a:ext uri="{FF2B5EF4-FFF2-40B4-BE49-F238E27FC236}">
-                <a16:creationId xmlns:a16="http://schemas.microsoft.com/office/drawing/2014/main" id="{CE0351E5-2D12-447A-9374-0A4175BEA7D6}"/>
-              </a:ext>
-            </a:extLst>
-          </p:cNvPr>
-          <p:cNvSpPr/>
-          <p:nvPr/>
-        </p:nvSpPr>
-        <p:spPr>
-          <a:xfrm>
-            <a:off x="265319" y="6311900"/>
-            <a:ext cx="8290283" cy="369332"/>
-          </a:xfrm>
-          <a:prstGeom prst="rect">
-            <a:avLst/>
-          </a:prstGeom>
-          <a:ln>
-            <a:noFill/>
-          </a:ln>
-        </p:spPr>
-        <p:txBody>
-          <a:bodyPr wrap="square">
-            <a:spAutoFit/>
-          </a:bodyPr>
-          <a:lstStyle/>
-          <a:p>
-            <a:r>
-              <a:rPr lang="sk-SK" dirty="0"/>
-              <a:t>Autor: </a:t>
-            </a:r>
-            <a:r>
-              <a:rPr lang="sk-SK" dirty="0">
-                <a:solidFill>
-                  <a:srgbClr val="FF0000"/>
-                </a:solidFill>
-              </a:rPr>
-              <a:t>meno, priezvisko </a:t>
-            </a:r>
-            <a:endParaRPr lang="sk-SK" dirty="0">
-              <a:solidFill>
-                <a:srgbClr val="00B0F0"/>
-              </a:solidFill>
-            </a:endParaRPr>
-          </a:p>
-        </p:txBody>
-      </p:sp>
-      <p:sp>
-        <p:nvSpPr>
-          <p:cNvPr id="7" name="Title 1">
-            <a:extLst>
-              <a:ext uri="{FF2B5EF4-FFF2-40B4-BE49-F238E27FC236}">
-                <a16:creationId xmlns:a16="http://schemas.microsoft.com/office/drawing/2014/main" id="{39FB7DBF-DAF9-FD47-0117-813464040BB6}"/>
-              </a:ext>
-            </a:extLst>
-          </p:cNvPr>
-          <p:cNvSpPr>
-            <a:spLocks noGrp="1"/>
-          </p:cNvSpPr>
-          <p:nvPr>
-            <p:ph type="title"/>
-          </p:nvPr>
-        </p:nvSpPr>
-        <p:spPr>
-          <a:xfrm>
-            <a:off x="838200" y="814613"/>
-            <a:ext cx="10515600" cy="876075"/>
-          </a:xfrm>
-        </p:spPr>
-        <p:txBody>
-          <a:bodyPr/>
-          <a:lstStyle/>
-          <a:p>
-            <a:r>
-              <a:rPr lang="sk-SK" dirty="0"/>
-              <a:t>Rady a odporúčania</a:t>
-            </a:r>
-          </a:p>
-        </p:txBody>
-      </p:sp>
-      <p:sp>
-        <p:nvSpPr>
-          <p:cNvPr id="4" name="Rectangle 3">
-            <a:extLst>
-              <a:ext uri="{FF2B5EF4-FFF2-40B4-BE49-F238E27FC236}">
-                <a16:creationId xmlns:a16="http://schemas.microsoft.com/office/drawing/2014/main" id="{B9B4B42F-4320-944F-7676-ED8D09E143FB}"/>
-              </a:ext>
-            </a:extLst>
-          </p:cNvPr>
-          <p:cNvSpPr/>
-          <p:nvPr/>
-        </p:nvSpPr>
-        <p:spPr>
-          <a:xfrm>
-            <a:off x="0" y="684728"/>
-            <a:ext cx="8611985" cy="45719"/>
-          </a:xfrm>
-          <a:prstGeom prst="rect">
-            <a:avLst/>
-          </a:prstGeom>
-          <a:solidFill>
-            <a:srgbClr val="264D99"/>
-          </a:solidFill>
-          <a:ln>
-            <a:solidFill>
-              <a:srgbClr val="264D99"/>
-            </a:solidFill>
-          </a:ln>
-        </p:spPr>
-        <p:style>
-          <a:lnRef idx="2">
-            <a:schemeClr val="accent6">
-              <a:shade val="50000"/>
-            </a:schemeClr>
-          </a:lnRef>
-          <a:fillRef idx="1">
-            <a:schemeClr val="accent6"/>
-          </a:fillRef>
-          <a:effectRef idx="0">
-            <a:schemeClr val="accent6"/>
-          </a:effectRef>
-          <a:fontRef idx="minor">
-            <a:schemeClr val="lt1"/>
-          </a:fontRef>
-        </p:style>
-        <p:txBody>
-          <a:bodyPr rtlCol="0" anchor="ctr"/>
-          <a:lstStyle/>
-          <a:p>
-            <a:pPr algn="ctr"/>
-            <a:endParaRPr lang="sk-SK"/>
-          </a:p>
-        </p:txBody>
-      </p:sp>
-      <p:sp>
-        <p:nvSpPr>
-          <p:cNvPr id="6" name="Rectangle 5">
-            <a:extLst>
-              <a:ext uri="{FF2B5EF4-FFF2-40B4-BE49-F238E27FC236}">
-                <a16:creationId xmlns:a16="http://schemas.microsoft.com/office/drawing/2014/main" id="{8AB38B57-F81C-B63A-A683-0B0DF29ADD7C}"/>
-              </a:ext>
-            </a:extLst>
-          </p:cNvPr>
-          <p:cNvSpPr/>
-          <p:nvPr/>
-        </p:nvSpPr>
-        <p:spPr>
-          <a:xfrm>
-            <a:off x="0" y="218243"/>
-            <a:ext cx="8610600" cy="369332"/>
-          </a:xfrm>
-          <a:prstGeom prst="rect">
-            <a:avLst/>
-          </a:prstGeom>
-        </p:spPr>
-        <p:txBody>
-          <a:bodyPr wrap="square">
-            <a:spAutoFit/>
-          </a:bodyPr>
-          <a:lstStyle/>
-          <a:p>
-            <a:r>
-              <a:rPr lang="sk-SK" dirty="0">
-                <a:solidFill>
-                  <a:srgbClr val="264D99"/>
-                </a:solidFill>
-              </a:rPr>
-              <a:t>Názov BP</a:t>
-            </a:r>
-          </a:p>
-        </p:txBody>
-      </p:sp>
-      <p:pic>
-        <p:nvPicPr>
-          <p:cNvPr id="2" name="Obrázok 1" descr="Obrázok, na ktorom je text, písmo, snímka obrazovky, grafika&#10;&#10;Automaticky generovaný popis">
-            <a:extLst>
-              <a:ext uri="{FF2B5EF4-FFF2-40B4-BE49-F238E27FC236}">
-                <a16:creationId xmlns:a16="http://schemas.microsoft.com/office/drawing/2014/main" id="{F806CF3A-458A-92A2-CE24-4CE09D955093}"/>
-              </a:ext>
-            </a:extLst>
-          </p:cNvPr>
-          <p:cNvPicPr>
-            <a:picLocks noChangeAspect="1"/>
-          </p:cNvPicPr>
-          <p:nvPr/>
-        </p:nvPicPr>
-        <p:blipFill>
-          <a:blip r:embed="rId2" cstate="print">
-            <a:extLst>
-              <a:ext uri="{28A0092B-C50C-407E-A947-70E740481C1C}">
-                <a14:useLocalDpi xmlns:a14="http://schemas.microsoft.com/office/drawing/2010/main" val="0"/>
-              </a:ext>
-            </a:extLst>
-          </a:blip>
-          <a:stretch>
-            <a:fillRect/>
-          </a:stretch>
-        </p:blipFill>
-        <p:spPr>
-          <a:xfrm>
-            <a:off x="10360241" y="10082"/>
-            <a:ext cx="1831759" cy="1505157"/>
-          </a:xfrm>
-          <a:prstGeom prst="rect">
-            <a:avLst/>
-          </a:prstGeom>
-        </p:spPr>
-      </p:pic>
-    </p:spTree>
-    <p:extLst>
-      <p:ext uri="{BB962C8B-B14F-4D97-AF65-F5344CB8AC3E}">
-        <p14:creationId xmlns:p14="http://schemas.microsoft.com/office/powerpoint/2010/main" val="1061088675"/>
-      </p:ext>
-    </p:extLst>
-  </p:cSld>
-  <p:clrMapOvr>
-    <a:masterClrMapping/>
-  </p:clrMapOvr>
-</p:sld>
-</file>
-
-<file path=ppt/slides/slide8.xml><?xml version="1.0" encoding="utf-8"?>
 <p:sld xmlns:a="http://schemas.openxmlformats.org/drawingml/2006/main" xmlns:r="http://schemas.openxmlformats.org/officeDocument/2006/relationships" xmlns:p="http://schemas.openxmlformats.org/presentationml/2006/main">
   <p:cSld>
     <p:spTree>
@@ -6439,10 +6302,10 @@
       </p:sp>
       <p:pic>
         <p:nvPicPr>
-          <p:cNvPr id="3" name="Obrázok 2" descr="Obrázok, na ktorom je text, písmo, snímka obrazovky, biely&#10;&#10;Automaticky generovaný popis">
+          <p:cNvPr id="5" name="Picture 4">
             <a:extLst>
               <a:ext uri="{FF2B5EF4-FFF2-40B4-BE49-F238E27FC236}">
-                <a16:creationId xmlns:a16="http://schemas.microsoft.com/office/drawing/2014/main" id="{08A1A3CA-677F-391C-47E9-BEC04844320B}"/>
+                <a16:creationId xmlns:a16="http://schemas.microsoft.com/office/drawing/2014/main" id="{2EA5A88A-A8AB-6ACB-370B-D761F5416A49}"/>
               </a:ext>
             </a:extLst>
           </p:cNvPr>
@@ -6452,7 +6315,7 @@
           <p:nvPr/>
         </p:nvPicPr>
         <p:blipFill>
-          <a:blip r:embed="rId2" cstate="print">
+          <a:blip r:embed="rId2">
             <a:extLst>
               <a:ext uri="{28A0092B-C50C-407E-A947-70E740481C1C}">
                 <a14:useLocalDpi xmlns:a14="http://schemas.microsoft.com/office/drawing/2010/main" val="0"/>
@@ -6465,8 +6328,8 @@
         </p:blipFill>
         <p:spPr>
           <a:xfrm>
-            <a:off x="1309104" y="4878296"/>
-            <a:ext cx="9359726" cy="1979704"/>
+            <a:off x="3318557" y="5651249"/>
+            <a:ext cx="5554886" cy="1206751"/>
           </a:xfrm>
           <a:prstGeom prst="rect">
             <a:avLst/>
@@ -7033,6 +6896,15 @@
 </file>
 
 <file path=customXml/item1.xml><?xml version="1.0" encoding="utf-8"?>
+<?mso-contentType ?>
+<FormTemplates xmlns="http://schemas.microsoft.com/sharepoint/v3/contenttype/forms">
+  <Display>DocumentLibraryForm</Display>
+  <Edit>DocumentLibraryForm</Edit>
+  <New>DocumentLibraryForm</New>
+</FormTemplates>
+</file>
+
+<file path=customXml/item2.xml><?xml version="1.0" encoding="utf-8"?>
 <p:properties xmlns:p="http://schemas.microsoft.com/office/2006/metadata/properties" xmlns:xsi="http://www.w3.org/2001/XMLSchema-instance" xmlns:pc="http://schemas.microsoft.com/office/infopath/2007/PartnerControls">
   <documentManagement>
     <lcf76f155ced4ddcb4097134ff3c332f xmlns="d01b66bd-e699-4830-aac9-b18e744e07eb">
@@ -7041,15 +6913,6 @@
     <TaxCatchAll xmlns="790187d4-4294-4956-88ae-a0a46046ed0a" xsi:nil="true"/>
   </documentManagement>
 </p:properties>
-</file>
-
-<file path=customXml/item2.xml><?xml version="1.0" encoding="utf-8"?>
-<?mso-contentType ?>
-<FormTemplates xmlns="http://schemas.microsoft.com/sharepoint/v3/contenttype/forms">
-  <Display>DocumentLibraryForm</Display>
-  <Edit>DocumentLibraryForm</Edit>
-  <New>DocumentLibraryForm</New>
-</FormTemplates>
 </file>
 
 <file path=customXml/item3.xml><?xml version="1.0" encoding="utf-8"?>
@@ -7282,20 +7145,20 @@
 </file>
 
 <file path=customXml/itemProps1.xml><?xml version="1.0" encoding="utf-8"?>
+<ds:datastoreItem xmlns:ds="http://schemas.openxmlformats.org/officeDocument/2006/customXml" ds:itemID="{375C6E88-C769-48B0-91D3-77870C89206A}">
+  <ds:schemaRefs>
+    <ds:schemaRef ds:uri="http://schemas.microsoft.com/sharepoint/v3/contenttype/forms"/>
+  </ds:schemaRefs>
+</ds:datastoreItem>
+</file>
+
+<file path=customXml/itemProps2.xml><?xml version="1.0" encoding="utf-8"?>
 <ds:datastoreItem xmlns:ds="http://schemas.openxmlformats.org/officeDocument/2006/customXml" ds:itemID="{734999B7-1407-4E96-8E46-8443EF5F6F2E}">
   <ds:schemaRefs>
     <ds:schemaRef ds:uri="http://schemas.microsoft.com/office/2006/metadata/properties"/>
     <ds:schemaRef ds:uri="http://schemas.microsoft.com/office/infopath/2007/PartnerControls"/>
     <ds:schemaRef ds:uri="d01b66bd-e699-4830-aac9-b18e744e07eb"/>
     <ds:schemaRef ds:uri="790187d4-4294-4956-88ae-a0a46046ed0a"/>
-  </ds:schemaRefs>
-</ds:datastoreItem>
-</file>
-
-<file path=customXml/itemProps2.xml><?xml version="1.0" encoding="utf-8"?>
-<ds:datastoreItem xmlns:ds="http://schemas.openxmlformats.org/officeDocument/2006/customXml" ds:itemID="{375C6E88-C769-48B0-91D3-77870C89206A}">
-  <ds:schemaRefs>
-    <ds:schemaRef ds:uri="http://schemas.microsoft.com/sharepoint/v3/contenttype/forms"/>
   </ds:schemaRefs>
 </ds:datastoreItem>
 </file>

--- a/presentations/Vyuzitie LLM pre pravne dokumenty.pptx
+++ b/presentations/Vyuzitie LLM pre pravne dokumenty.pptx
@@ -5,16 +5,17 @@
     <p:sldMasterId id="2147483648" r:id="rId4"/>
   </p:sldMasterIdLst>
   <p:notesMasterIdLst>
-    <p:notesMasterId r:id="rId12"/>
+    <p:notesMasterId r:id="rId13"/>
   </p:notesMasterIdLst>
   <p:sldIdLst>
     <p:sldId id="256" r:id="rId5"/>
     <p:sldId id="259" r:id="rId6"/>
-    <p:sldId id="258" r:id="rId7"/>
-    <p:sldId id="269" r:id="rId8"/>
-    <p:sldId id="268" r:id="rId9"/>
-    <p:sldId id="267" r:id="rId10"/>
-    <p:sldId id="266" r:id="rId11"/>
+    <p:sldId id="268" r:id="rId7"/>
+    <p:sldId id="270" r:id="rId8"/>
+    <p:sldId id="258" r:id="rId9"/>
+    <p:sldId id="269" r:id="rId10"/>
+    <p:sldId id="267" r:id="rId11"/>
+    <p:sldId id="266" r:id="rId12"/>
   </p:sldIdLst>
   <p:sldSz cx="12192000" cy="6858000"/>
   <p:notesSz cx="6858000" cy="9144000"/>
@@ -486,6 +487,114 @@
   <p:cSld>
     <p:spTree>
       <p:nvGrpSpPr>
+        <p:cNvPr id="1" name="">
+          <a:extLst>
+            <a:ext uri="{FF2B5EF4-FFF2-40B4-BE49-F238E27FC236}">
+              <a16:creationId xmlns:a16="http://schemas.microsoft.com/office/drawing/2014/main" id="{382DABDF-EC08-B9D5-CA2C-E566A3508368}"/>
+            </a:ext>
+          </a:extLst>
+        </p:cNvPr>
+        <p:cNvGrpSpPr/>
+        <p:nvPr/>
+      </p:nvGrpSpPr>
+      <p:grpSpPr>
+        <a:xfrm>
+          <a:off x="0" y="0"/>
+          <a:ext cx="0" cy="0"/>
+          <a:chOff x="0" y="0"/>
+          <a:chExt cx="0" cy="0"/>
+        </a:xfrm>
+      </p:grpSpPr>
+      <p:sp>
+        <p:nvSpPr>
+          <p:cNvPr id="2" name="Zástupný symbol obrazu snímky 1">
+            <a:extLst>
+              <a:ext uri="{FF2B5EF4-FFF2-40B4-BE49-F238E27FC236}">
+                <a16:creationId xmlns:a16="http://schemas.microsoft.com/office/drawing/2014/main" id="{6120677D-BD94-F1F8-0CD1-FA30C47C989C}"/>
+              </a:ext>
+            </a:extLst>
+          </p:cNvPr>
+          <p:cNvSpPr>
+            <a:spLocks noGrp="1" noRot="1" noChangeAspect="1"/>
+          </p:cNvSpPr>
+          <p:nvPr>
+            <p:ph type="sldImg"/>
+          </p:nvPr>
+        </p:nvSpPr>
+        <p:spPr/>
+      </p:sp>
+      <p:sp>
+        <p:nvSpPr>
+          <p:cNvPr id="3" name="Zástupný symbol poznámok 2">
+            <a:extLst>
+              <a:ext uri="{FF2B5EF4-FFF2-40B4-BE49-F238E27FC236}">
+                <a16:creationId xmlns:a16="http://schemas.microsoft.com/office/drawing/2014/main" id="{2E6AB33A-E53E-68FB-F42F-3DEA7AA4F3BD}"/>
+              </a:ext>
+            </a:extLst>
+          </p:cNvPr>
+          <p:cNvSpPr>
+            <a:spLocks noGrp="1"/>
+          </p:cNvSpPr>
+          <p:nvPr>
+            <p:ph type="body" idx="1"/>
+          </p:nvPr>
+        </p:nvSpPr>
+        <p:spPr/>
+        <p:txBody>
+          <a:bodyPr/>
+          <a:lstStyle/>
+          <a:p>
+            <a:endParaRPr lang="sk-SK"/>
+          </a:p>
+        </p:txBody>
+      </p:sp>
+      <p:sp>
+        <p:nvSpPr>
+          <p:cNvPr id="4" name="Zástupný symbol čísla snímky 3">
+            <a:extLst>
+              <a:ext uri="{FF2B5EF4-FFF2-40B4-BE49-F238E27FC236}">
+                <a16:creationId xmlns:a16="http://schemas.microsoft.com/office/drawing/2014/main" id="{705AB26E-679F-D3D2-BA62-88EE4A8B2A9C}"/>
+              </a:ext>
+            </a:extLst>
+          </p:cNvPr>
+          <p:cNvSpPr>
+            <a:spLocks noGrp="1"/>
+          </p:cNvSpPr>
+          <p:nvPr>
+            <p:ph type="sldNum" sz="quarter" idx="10"/>
+          </p:nvPr>
+        </p:nvSpPr>
+        <p:spPr/>
+        <p:txBody>
+          <a:bodyPr/>
+          <a:lstStyle/>
+          <a:p>
+            <a:fld id="{84135ECD-55A6-4BF2-B99C-0F5C455EB57A}" type="slidenum">
+              <a:rPr lang="sk-SK" smtClean="0"/>
+              <a:t>3</a:t>
+            </a:fld>
+            <a:endParaRPr lang="sk-SK"/>
+          </a:p>
+        </p:txBody>
+      </p:sp>
+    </p:spTree>
+    <p:extLst>
+      <p:ext uri="{BB962C8B-B14F-4D97-AF65-F5344CB8AC3E}">
+        <p14:creationId xmlns:p14="http://schemas.microsoft.com/office/powerpoint/2010/main" val="1346604010"/>
+      </p:ext>
+    </p:extLst>
+  </p:cSld>
+  <p:clrMapOvr>
+    <a:masterClrMapping/>
+  </p:clrMapOvr>
+</p:notes>
+</file>
+
+<file path=ppt/notesSlides/notesSlide2.xml><?xml version="1.0" encoding="utf-8"?>
+<p:notes xmlns:a="http://schemas.openxmlformats.org/drawingml/2006/main" xmlns:r="http://schemas.openxmlformats.org/officeDocument/2006/relationships" xmlns:p="http://schemas.openxmlformats.org/presentationml/2006/main">
+  <p:cSld>
+    <p:spTree>
+      <p:nvGrpSpPr>
         <p:cNvPr id="1" name=""/>
         <p:cNvGrpSpPr/>
         <p:nvPr/>
@@ -525,7 +634,19 @@
           <a:bodyPr/>
           <a:lstStyle/>
           <a:p>
-            <a:endParaRPr lang="sk-SK"/>
+            <a:r>
+              <a:rPr lang="sk-SK" dirty="0" err="1"/>
+              <a:t>Screenshot</a:t>
+            </a:r>
+            <a:r>
+              <a:rPr lang="sk-SK" dirty="0"/>
+              <a:t> z </a:t>
+            </a:r>
+            <a:r>
+              <a:rPr lang="sk-SK" dirty="0" err="1"/>
+              <a:t>databazy</a:t>
+            </a:r>
+            <a:endParaRPr lang="sk-SK" dirty="0"/>
           </a:p>
         </p:txBody>
       </p:sp>
@@ -546,7 +667,7 @@
           <a:p>
             <a:fld id="{84135ECD-55A6-4BF2-B99C-0F5C455EB57A}" type="slidenum">
               <a:rPr lang="sk-SK" smtClean="0"/>
-              <a:t>3</a:t>
+              <a:t>5</a:t>
             </a:fld>
             <a:endParaRPr lang="sk-SK"/>
           </a:p>
@@ -565,7 +686,7 @@
 </p:notes>
 </file>
 
-<file path=ppt/notesSlides/notesSlide2.xml><?xml version="1.0" encoding="utf-8"?>
+<file path=ppt/notesSlides/notesSlide3.xml><?xml version="1.0" encoding="utf-8"?>
 <p:notes xmlns:a="http://schemas.openxmlformats.org/drawingml/2006/main" xmlns:r="http://schemas.openxmlformats.org/officeDocument/2006/relationships" xmlns:p="http://schemas.openxmlformats.org/presentationml/2006/main">
   <p:cSld>
     <p:spTree>
@@ -654,7 +775,7 @@
           <a:p>
             <a:fld id="{84135ECD-55A6-4BF2-B99C-0F5C455EB57A}" type="slidenum">
               <a:rPr lang="sk-SK" smtClean="0"/>
-              <a:t>4</a:t>
+              <a:t>6</a:t>
             </a:fld>
             <a:endParaRPr lang="sk-SK"/>
           </a:p>
@@ -664,114 +785,6 @@
     <p:extLst>
       <p:ext uri="{BB962C8B-B14F-4D97-AF65-F5344CB8AC3E}">
         <p14:creationId xmlns:p14="http://schemas.microsoft.com/office/powerpoint/2010/main" val="3025333382"/>
-      </p:ext>
-    </p:extLst>
-  </p:cSld>
-  <p:clrMapOvr>
-    <a:masterClrMapping/>
-  </p:clrMapOvr>
-</p:notes>
-</file>
-
-<file path=ppt/notesSlides/notesSlide3.xml><?xml version="1.0" encoding="utf-8"?>
-<p:notes xmlns:a="http://schemas.openxmlformats.org/drawingml/2006/main" xmlns:r="http://schemas.openxmlformats.org/officeDocument/2006/relationships" xmlns:p="http://schemas.openxmlformats.org/presentationml/2006/main">
-  <p:cSld>
-    <p:spTree>
-      <p:nvGrpSpPr>
-        <p:cNvPr id="1" name="">
-          <a:extLst>
-            <a:ext uri="{FF2B5EF4-FFF2-40B4-BE49-F238E27FC236}">
-              <a16:creationId xmlns:a16="http://schemas.microsoft.com/office/drawing/2014/main" id="{382DABDF-EC08-B9D5-CA2C-E566A3508368}"/>
-            </a:ext>
-          </a:extLst>
-        </p:cNvPr>
-        <p:cNvGrpSpPr/>
-        <p:nvPr/>
-      </p:nvGrpSpPr>
-      <p:grpSpPr>
-        <a:xfrm>
-          <a:off x="0" y="0"/>
-          <a:ext cx="0" cy="0"/>
-          <a:chOff x="0" y="0"/>
-          <a:chExt cx="0" cy="0"/>
-        </a:xfrm>
-      </p:grpSpPr>
-      <p:sp>
-        <p:nvSpPr>
-          <p:cNvPr id="2" name="Zástupný symbol obrazu snímky 1">
-            <a:extLst>
-              <a:ext uri="{FF2B5EF4-FFF2-40B4-BE49-F238E27FC236}">
-                <a16:creationId xmlns:a16="http://schemas.microsoft.com/office/drawing/2014/main" id="{6120677D-BD94-F1F8-0CD1-FA30C47C989C}"/>
-              </a:ext>
-            </a:extLst>
-          </p:cNvPr>
-          <p:cNvSpPr>
-            <a:spLocks noGrp="1" noRot="1" noChangeAspect="1"/>
-          </p:cNvSpPr>
-          <p:nvPr>
-            <p:ph type="sldImg"/>
-          </p:nvPr>
-        </p:nvSpPr>
-        <p:spPr/>
-      </p:sp>
-      <p:sp>
-        <p:nvSpPr>
-          <p:cNvPr id="3" name="Zástupný symbol poznámok 2">
-            <a:extLst>
-              <a:ext uri="{FF2B5EF4-FFF2-40B4-BE49-F238E27FC236}">
-                <a16:creationId xmlns:a16="http://schemas.microsoft.com/office/drawing/2014/main" id="{2E6AB33A-E53E-68FB-F42F-3DEA7AA4F3BD}"/>
-              </a:ext>
-            </a:extLst>
-          </p:cNvPr>
-          <p:cNvSpPr>
-            <a:spLocks noGrp="1"/>
-          </p:cNvSpPr>
-          <p:nvPr>
-            <p:ph type="body" idx="1"/>
-          </p:nvPr>
-        </p:nvSpPr>
-        <p:spPr/>
-        <p:txBody>
-          <a:bodyPr/>
-          <a:lstStyle/>
-          <a:p>
-            <a:endParaRPr lang="sk-SK"/>
-          </a:p>
-        </p:txBody>
-      </p:sp>
-      <p:sp>
-        <p:nvSpPr>
-          <p:cNvPr id="4" name="Zástupný symbol čísla snímky 3">
-            <a:extLst>
-              <a:ext uri="{FF2B5EF4-FFF2-40B4-BE49-F238E27FC236}">
-                <a16:creationId xmlns:a16="http://schemas.microsoft.com/office/drawing/2014/main" id="{705AB26E-679F-D3D2-BA62-88EE4A8B2A9C}"/>
-              </a:ext>
-            </a:extLst>
-          </p:cNvPr>
-          <p:cNvSpPr>
-            <a:spLocks noGrp="1"/>
-          </p:cNvSpPr>
-          <p:nvPr>
-            <p:ph type="sldNum" sz="quarter" idx="10"/>
-          </p:nvPr>
-        </p:nvSpPr>
-        <p:spPr/>
-        <p:txBody>
-          <a:bodyPr/>
-          <a:lstStyle/>
-          <a:p>
-            <a:fld id="{84135ECD-55A6-4BF2-B99C-0F5C455EB57A}" type="slidenum">
-              <a:rPr lang="sk-SK" smtClean="0"/>
-              <a:t>5</a:t>
-            </a:fld>
-            <a:endParaRPr lang="sk-SK"/>
-          </a:p>
-        </p:txBody>
-      </p:sp>
-    </p:spTree>
-    <p:extLst>
-      <p:ext uri="{BB962C8B-B14F-4D97-AF65-F5344CB8AC3E}">
-        <p14:creationId xmlns:p14="http://schemas.microsoft.com/office/powerpoint/2010/main" val="1346604010"/>
       </p:ext>
     </p:extLst>
   </p:cSld>
@@ -843,7 +856,10 @@
           <a:bodyPr/>
           <a:lstStyle/>
           <a:p>
-            <a:endParaRPr lang="sk-SK"/>
+            <a:r>
+              <a:rPr lang="sk-SK" dirty="0"/>
+              <a:t>detaily</a:t>
+            </a:r>
           </a:p>
         </p:txBody>
       </p:sp>
@@ -870,7 +886,7 @@
           <a:p>
             <a:fld id="{84135ECD-55A6-4BF2-B99C-0F5C455EB57A}" type="slidenum">
               <a:rPr lang="sk-SK" smtClean="0"/>
-              <a:t>6</a:t>
+              <a:t>7</a:t>
             </a:fld>
             <a:endParaRPr lang="sk-SK"/>
           </a:p>
@@ -3764,7 +3780,9 @@
           </a:xfrm>
         </p:spPr>
         <p:txBody>
-          <a:bodyPr/>
+          <a:bodyPr>
+            <a:normAutofit/>
+          </a:bodyPr>
           <a:lstStyle/>
           <a:p>
             <a:pPr algn="l"/>
@@ -3774,7 +3792,23 @@
                   <a:srgbClr val="264D99"/>
                 </a:solidFill>
               </a:rPr>
-              <a:t>Využitie LLM pre právne dokumenty</a:t>
+              <a:t>Využitie LLM pre </a:t>
+            </a:r>
+            <a:r>
+              <a:rPr lang="sk-SK" dirty="0" err="1">
+                <a:solidFill>
+                  <a:srgbClr val="264D99"/>
+                </a:solidFill>
+              </a:rPr>
+              <a:t>analyzu</a:t>
+            </a:r>
+            <a:r>
+              <a:rPr lang="sk-SK" dirty="0">
+                <a:solidFill>
+                  <a:srgbClr val="264D99"/>
+                </a:solidFill>
+              </a:rPr>
+              <a:t> právnych dokumentov</a:t>
             </a:r>
           </a:p>
         </p:txBody>
@@ -4010,6 +4044,14 @@
             </a:r>
             <a:r>
               <a:rPr lang="en-US" dirty="0"/>
+              <a:t> </a:t>
+            </a:r>
+            <a:r>
+              <a:rPr lang="en-US" dirty="0" err="1"/>
+              <a:t>projektu</a:t>
+            </a:r>
+            <a:r>
+              <a:rPr lang="en-US" dirty="0"/>
               <a:t> je </a:t>
             </a:r>
             <a:r>
@@ -4098,19 +4140,11 @@
             </a:r>
             <a:r>
               <a:rPr lang="en-US" dirty="0"/>
-              <a:t>. </a:t>
+              <a:t> s </a:t>
             </a:r>
             <a:r>
               <a:rPr lang="en-US" dirty="0" err="1"/>
-              <a:t>Výsledkom</a:t>
-            </a:r>
-            <a:r>
-              <a:rPr lang="en-US" dirty="0"/>
-              <a:t> je </a:t>
-            </a:r>
-            <a:r>
-              <a:rPr lang="en-US" dirty="0" err="1"/>
-              <a:t>interaktívny</a:t>
+              <a:t>pokročilým</a:t>
             </a:r>
             <a:r>
               <a:rPr lang="en-US" dirty="0"/>
@@ -4118,7 +4152,7 @@
             </a:r>
             <a:r>
               <a:rPr lang="en-US" dirty="0" err="1"/>
-              <a:t>graf</a:t>
+              <a:t>sémantickým</a:t>
             </a:r>
             <a:r>
               <a:rPr lang="en-US" dirty="0"/>
@@ -4126,7 +4160,15 @@
             </a:r>
             <a:r>
               <a:rPr lang="en-US" dirty="0" err="1"/>
-              <a:t>znázorňujúci</a:t>
+              <a:t>vyhľadávaním</a:t>
+            </a:r>
+            <a:r>
+              <a:rPr lang="en-US" dirty="0"/>
+              <a:t>. </a:t>
+            </a:r>
+            <a:r>
+              <a:rPr lang="en-US" dirty="0" err="1"/>
+              <a:t>Systém</a:t>
             </a:r>
             <a:r>
               <a:rPr lang="en-US" dirty="0"/>
@@ -4134,7 +4176,7 @@
             </a:r>
             <a:r>
               <a:rPr lang="en-US" dirty="0" err="1"/>
-              <a:t>väzby</a:t>
+              <a:t>kombinuje</a:t>
             </a:r>
             <a:r>
               <a:rPr lang="en-US" dirty="0"/>
@@ -4142,7 +4184,7 @@
             </a:r>
             <a:r>
               <a:rPr lang="en-US" dirty="0" err="1"/>
-              <a:t>medzi</a:t>
+              <a:t>grafovú</a:t>
             </a:r>
             <a:r>
               <a:rPr lang="en-US" dirty="0"/>
@@ -4150,7 +4192,15 @@
             </a:r>
             <a:r>
               <a:rPr lang="en-US" dirty="0" err="1"/>
-              <a:t>právnymi</a:t>
+              <a:t>databázu</a:t>
+            </a:r>
+            <a:r>
+              <a:rPr lang="en-US" dirty="0"/>
+              <a:t> s </a:t>
+            </a:r>
+            <a:r>
+              <a:rPr lang="en-US" dirty="0" err="1"/>
+              <a:t>vektorovým</a:t>
             </a:r>
             <a:r>
               <a:rPr lang="en-US" dirty="0"/>
@@ -4158,7 +4208,79 @@
             </a:r>
             <a:r>
               <a:rPr lang="en-US" dirty="0" err="1"/>
-              <a:t>pojmami</a:t>
+              <a:t>úložiskom</a:t>
+            </a:r>
+            <a:r>
+              <a:rPr lang="en-US" dirty="0"/>
+              <a:t> pre </a:t>
+            </a:r>
+            <a:r>
+              <a:rPr lang="en-US" dirty="0" err="1"/>
+              <a:t>hybridné</a:t>
+            </a:r>
+            <a:r>
+              <a:rPr lang="en-US" dirty="0"/>
+              <a:t> </a:t>
+            </a:r>
+            <a:r>
+              <a:rPr lang="en-US" dirty="0" err="1"/>
+              <a:t>vyhľadávanie</a:t>
+            </a:r>
+            <a:r>
+              <a:rPr lang="en-US" dirty="0"/>
+              <a:t>, </a:t>
+            </a:r>
+            <a:r>
+              <a:rPr lang="en-US" dirty="0" err="1"/>
+              <a:t>ktoré</a:t>
+            </a:r>
+            <a:r>
+              <a:rPr lang="en-US" dirty="0"/>
+              <a:t> </a:t>
+            </a:r>
+            <a:r>
+              <a:rPr lang="en-US" dirty="0" err="1"/>
+              <a:t>umožňuje</a:t>
+            </a:r>
+            <a:r>
+              <a:rPr lang="en-US" dirty="0"/>
+              <a:t> </a:t>
+            </a:r>
+            <a:r>
+              <a:rPr lang="en-US" dirty="0" err="1"/>
+              <a:t>používateľom</a:t>
+            </a:r>
+            <a:r>
+              <a:rPr lang="en-US" dirty="0"/>
+              <a:t> </a:t>
+            </a:r>
+            <a:r>
+              <a:rPr lang="en-US" dirty="0" err="1"/>
+              <a:t>klásť</a:t>
+            </a:r>
+            <a:r>
+              <a:rPr lang="en-US" dirty="0"/>
+              <a:t> </a:t>
+            </a:r>
+            <a:r>
+              <a:rPr lang="en-US" dirty="0" err="1"/>
+              <a:t>otázky</a:t>
+            </a:r>
+            <a:r>
+              <a:rPr lang="en-US" dirty="0"/>
+              <a:t> v </a:t>
+            </a:r>
+            <a:r>
+              <a:rPr lang="en-US" dirty="0" err="1"/>
+              <a:t>prirodzenom</a:t>
+            </a:r>
+            <a:r>
+              <a:rPr lang="en-US" dirty="0"/>
+              <a:t> </a:t>
+            </a:r>
+            <a:r>
+              <a:rPr lang="en-US" dirty="0" err="1"/>
+              <a:t>jazyku</a:t>
             </a:r>
             <a:r>
               <a:rPr lang="en-US" dirty="0"/>
@@ -4166,167 +4288,89 @@
             </a:r>
             <a:r>
               <a:rPr lang="en-US" dirty="0" err="1"/>
-              <a:t>ustanoveniami</a:t>
+              <a:t>získavať</a:t>
             </a:r>
             <a:r>
               <a:rPr lang="en-US" dirty="0"/>
-              <a:t> v </a:t>
+              <a:t> </a:t>
             </a:r>
             <a:r>
               <a:rPr lang="en-US" dirty="0" err="1"/>
-              <a:t>zákone</a:t>
+              <a:t>presné</a:t>
+            </a:r>
+            <a:r>
+              <a:rPr lang="en-US" dirty="0"/>
+              <a:t> </a:t>
+            </a:r>
+            <a:r>
+              <a:rPr lang="en-US" dirty="0" err="1"/>
+              <a:t>odpovede</a:t>
+            </a:r>
+            <a:r>
+              <a:rPr lang="en-US" dirty="0"/>
+              <a:t> </a:t>
+            </a:r>
+            <a:r>
+              <a:rPr lang="en-US" dirty="0" err="1"/>
+              <a:t>na</a:t>
+            </a:r>
+            <a:r>
+              <a:rPr lang="en-US" dirty="0"/>
+              <a:t> </a:t>
+            </a:r>
+            <a:r>
+              <a:rPr lang="en-US" dirty="0" err="1"/>
+              <a:t>základe</a:t>
+            </a:r>
+            <a:r>
+              <a:rPr lang="en-US" dirty="0"/>
+              <a:t> </a:t>
+            </a:r>
+            <a:r>
+              <a:rPr lang="en-US" dirty="0" err="1"/>
+              <a:t>štruktúrovaných</a:t>
+            </a:r>
+            <a:r>
+              <a:rPr lang="en-US" dirty="0"/>
+              <a:t> </a:t>
+            </a:r>
+            <a:r>
+              <a:rPr lang="en-US" dirty="0" err="1"/>
+              <a:t>vzťahov</a:t>
+            </a:r>
+            <a:r>
+              <a:rPr lang="en-US" dirty="0"/>
+              <a:t> </a:t>
+            </a:r>
+            <a:r>
+              <a:rPr lang="en-US" dirty="0" err="1"/>
+              <a:t>aj</a:t>
+            </a:r>
+            <a:r>
+              <a:rPr lang="en-US" dirty="0"/>
+              <a:t> </a:t>
+            </a:r>
+            <a:r>
+              <a:rPr lang="en-US" dirty="0" err="1"/>
+              <a:t>sémantickej</a:t>
+            </a:r>
+            <a:r>
+              <a:rPr lang="en-US" dirty="0"/>
+              <a:t> </a:t>
+            </a:r>
+            <a:r>
+              <a:rPr lang="en-US" dirty="0" err="1"/>
+              <a:t>podobnosti</a:t>
             </a:r>
             <a:r>
               <a:rPr lang="en-US" dirty="0"/>
               <a:t>.</a:t>
             </a:r>
-          </a:p>
-          <a:p>
-            <a:pPr marL="0" indent="0">
-              <a:buNone/>
-            </a:pPr>
             <a:endParaRPr lang="en-US" dirty="0">
               <a:solidFill>
                 <a:srgbClr val="FF0000"/>
               </a:solidFill>
             </a:endParaRPr>
-          </a:p>
-          <a:p>
-            <a:pPr marL="0" indent="0">
-              <a:buNone/>
-            </a:pPr>
-            <a:endParaRPr lang="en-US" dirty="0">
-              <a:solidFill>
-                <a:srgbClr val="FF0000"/>
-              </a:solidFill>
-            </a:endParaRPr>
-          </a:p>
-          <a:p>
-            <a:pPr marL="0" indent="0">
-              <a:buNone/>
-            </a:pPr>
-            <a:r>
-              <a:rPr lang="en-US" dirty="0" err="1"/>
-              <a:t>Problematika</a:t>
-            </a:r>
-            <a:r>
-              <a:rPr lang="en-US" dirty="0"/>
-              <a:t> </a:t>
-            </a:r>
-            <a:r>
-              <a:rPr lang="en-US" dirty="0" err="1"/>
-              <a:t>halucinácie</a:t>
-            </a:r>
-            <a:r>
-              <a:rPr lang="en-US" dirty="0"/>
-              <a:t> LLM </a:t>
-            </a:r>
-            <a:r>
-              <a:rPr lang="en-US" dirty="0" err="1"/>
-              <a:t>pri</a:t>
-            </a:r>
-            <a:r>
-              <a:rPr lang="en-US" dirty="0"/>
-              <a:t> </a:t>
-            </a:r>
-            <a:r>
-              <a:rPr lang="en-US" dirty="0" err="1"/>
-              <a:t>pýtani</a:t>
-            </a:r>
-            <a:r>
-              <a:rPr lang="en-US" dirty="0"/>
-              <a:t> </a:t>
-            </a:r>
-            <a:r>
-              <a:rPr lang="en-US" dirty="0" err="1"/>
-              <a:t>sa</a:t>
-            </a:r>
-            <a:r>
-              <a:rPr lang="en-US" dirty="0"/>
-              <a:t> </a:t>
-            </a:r>
-            <a:r>
-              <a:rPr lang="en-US" dirty="0" err="1"/>
-              <a:t>otázok</a:t>
-            </a:r>
-            <a:r>
-              <a:rPr lang="en-US" dirty="0"/>
-              <a:t> </a:t>
-            </a:r>
-            <a:r>
-              <a:rPr lang="en-US" dirty="0" err="1"/>
-              <a:t>na</a:t>
-            </a:r>
-            <a:r>
-              <a:rPr lang="en-US" dirty="0"/>
-              <a:t> </a:t>
-            </a:r>
-            <a:r>
-              <a:rPr lang="en-US" dirty="0" err="1"/>
-              <a:t>legálne</a:t>
-            </a:r>
-            <a:r>
-              <a:rPr lang="en-US" dirty="0"/>
-              <a:t> </a:t>
-            </a:r>
-            <a:r>
-              <a:rPr lang="en-US" dirty="0" err="1"/>
-              <a:t>pojmy</a:t>
-            </a:r>
-            <a:r>
-              <a:rPr lang="en-US" dirty="0"/>
-              <a:t>.</a:t>
-            </a:r>
-          </a:p>
-          <a:p>
-            <a:pPr marL="0" indent="0">
-              <a:buNone/>
-            </a:pPr>
-            <a:r>
-              <a:rPr lang="en-US" sz="2000" dirty="0" err="1"/>
-              <a:t>Príklad</a:t>
-            </a:r>
-            <a:r>
-              <a:rPr lang="en-US" sz="2000" dirty="0"/>
-              <a:t>: </a:t>
-            </a:r>
-            <a:r>
-              <a:rPr lang="en-US" sz="2000" dirty="0" err="1"/>
-              <a:t>daň</a:t>
-            </a:r>
-            <a:r>
-              <a:rPr lang="en-US" sz="2000" dirty="0"/>
-              <a:t> z </a:t>
-            </a:r>
-            <a:r>
-              <a:rPr lang="en-US" sz="2000" dirty="0" err="1"/>
-              <a:t>pridanej</a:t>
-            </a:r>
-            <a:r>
-              <a:rPr lang="en-US" sz="2000" dirty="0"/>
-              <a:t> </a:t>
-            </a:r>
-            <a:r>
-              <a:rPr lang="en-US" sz="2000" dirty="0" err="1"/>
-              <a:t>hodnoty</a:t>
-            </a:r>
-            <a:r>
-              <a:rPr lang="en-US" sz="2000" dirty="0"/>
-              <a:t> – </a:t>
-            </a:r>
-            <a:r>
-              <a:rPr lang="en-US" sz="2000" dirty="0" err="1"/>
-              <a:t>daň</a:t>
-            </a:r>
-            <a:r>
-              <a:rPr lang="en-US" sz="2000" dirty="0"/>
-              <a:t> z </a:t>
-            </a:r>
-            <a:r>
-              <a:rPr lang="en-US" sz="2000" dirty="0" err="1"/>
-              <a:t>príjmu</a:t>
-            </a:r>
-            <a:endParaRPr lang="sk-SK" sz="2000" dirty="0"/>
           </a:p>
         </p:txBody>
       </p:sp>
@@ -4584,6 +4628,853 @@
   <p:cSld>
     <p:spTree>
       <p:nvGrpSpPr>
+        <p:cNvPr id="1" name="">
+          <a:extLst>
+            <a:ext uri="{FF2B5EF4-FFF2-40B4-BE49-F238E27FC236}">
+              <a16:creationId xmlns:a16="http://schemas.microsoft.com/office/drawing/2014/main" id="{2AD20848-0EAE-4B1E-C774-567702B778FB}"/>
+            </a:ext>
+          </a:extLst>
+        </p:cNvPr>
+        <p:cNvGrpSpPr/>
+        <p:nvPr/>
+      </p:nvGrpSpPr>
+      <p:grpSpPr>
+        <a:xfrm>
+          <a:off x="0" y="0"/>
+          <a:ext cx="0" cy="0"/>
+          <a:chOff x="0" y="0"/>
+          <a:chExt cx="0" cy="0"/>
+        </a:xfrm>
+      </p:grpSpPr>
+      <p:sp>
+        <p:nvSpPr>
+          <p:cNvPr id="2" name="Title 1">
+            <a:extLst>
+              <a:ext uri="{FF2B5EF4-FFF2-40B4-BE49-F238E27FC236}">
+                <a16:creationId xmlns:a16="http://schemas.microsoft.com/office/drawing/2014/main" id="{7DE380F7-7755-EAA2-F17F-BDEE1ACF727F}"/>
+              </a:ext>
+            </a:extLst>
+          </p:cNvPr>
+          <p:cNvSpPr>
+            <a:spLocks noGrp="1"/>
+          </p:cNvSpPr>
+          <p:nvPr>
+            <p:ph type="title"/>
+          </p:nvPr>
+        </p:nvSpPr>
+        <p:spPr>
+          <a:xfrm>
+            <a:off x="838200" y="814613"/>
+            <a:ext cx="10515600" cy="876075"/>
+          </a:xfrm>
+        </p:spPr>
+        <p:txBody>
+          <a:bodyPr/>
+          <a:lstStyle/>
+          <a:p>
+            <a:r>
+              <a:rPr lang="sk-SK" dirty="0"/>
+              <a:t>Overené podobné riešenia</a:t>
+            </a:r>
+          </a:p>
+        </p:txBody>
+      </p:sp>
+      <p:sp>
+        <p:nvSpPr>
+          <p:cNvPr id="3" name="Content Placeholder 2">
+            <a:extLst>
+              <a:ext uri="{FF2B5EF4-FFF2-40B4-BE49-F238E27FC236}">
+                <a16:creationId xmlns:a16="http://schemas.microsoft.com/office/drawing/2014/main" id="{B22D3BE0-01C0-717D-C9F7-0990423191A8}"/>
+              </a:ext>
+            </a:extLst>
+          </p:cNvPr>
+          <p:cNvSpPr>
+            <a:spLocks noGrp="1"/>
+          </p:cNvSpPr>
+          <p:nvPr>
+            <p:ph idx="1"/>
+          </p:nvPr>
+        </p:nvSpPr>
+        <p:spPr/>
+        <p:txBody>
+          <a:bodyPr/>
+          <a:lstStyle/>
+          <a:p>
+            <a:pPr marL="0" indent="0">
+              <a:buNone/>
+            </a:pPr>
+            <a:r>
+              <a:rPr lang="sk-SK" sz="2800" dirty="0" err="1"/>
+              <a:t>Blackstone</a:t>
+            </a:r>
+            <a:r>
+              <a:rPr lang="sk-SK" sz="2800" dirty="0"/>
+              <a:t> – britské riešenie, </a:t>
+            </a:r>
+            <a:r>
+              <a:rPr lang="sk-SK" sz="2800" noProof="1"/>
+              <a:t>využivajúce</a:t>
+            </a:r>
+            <a:r>
+              <a:rPr lang="sk-SK" sz="2800" dirty="0"/>
+              <a:t> strojové učenie</a:t>
+            </a:r>
+          </a:p>
+        </p:txBody>
+      </p:sp>
+      <p:sp>
+        <p:nvSpPr>
+          <p:cNvPr id="5" name="Rectangle 4">
+            <a:extLst>
+              <a:ext uri="{FF2B5EF4-FFF2-40B4-BE49-F238E27FC236}">
+                <a16:creationId xmlns:a16="http://schemas.microsoft.com/office/drawing/2014/main" id="{B4A55019-22A4-32AD-4E1E-27EF8A192991}"/>
+              </a:ext>
+            </a:extLst>
+          </p:cNvPr>
+          <p:cNvSpPr/>
+          <p:nvPr/>
+        </p:nvSpPr>
+        <p:spPr>
+          <a:xfrm>
+            <a:off x="265319" y="6311900"/>
+            <a:ext cx="8290283" cy="369332"/>
+          </a:xfrm>
+          <a:prstGeom prst="rect">
+            <a:avLst/>
+          </a:prstGeom>
+        </p:spPr>
+        <p:txBody>
+          <a:bodyPr wrap="square">
+            <a:spAutoFit/>
+          </a:bodyPr>
+          <a:lstStyle/>
+          <a:p>
+            <a:r>
+              <a:rPr lang="sk-SK" dirty="0"/>
+              <a:t>Autor: Samuel Bagín</a:t>
+            </a:r>
+          </a:p>
+        </p:txBody>
+      </p:sp>
+      <p:sp>
+        <p:nvSpPr>
+          <p:cNvPr id="10" name="Zástupný symbol čísla snímky 9">
+            <a:extLst>
+              <a:ext uri="{FF2B5EF4-FFF2-40B4-BE49-F238E27FC236}">
+                <a16:creationId xmlns:a16="http://schemas.microsoft.com/office/drawing/2014/main" id="{5FFE2A80-C845-8B80-8EBC-B0930091205A}"/>
+              </a:ext>
+            </a:extLst>
+          </p:cNvPr>
+          <p:cNvSpPr>
+            <a:spLocks noGrp="1"/>
+          </p:cNvSpPr>
+          <p:nvPr>
+            <p:ph type="sldNum" sz="quarter" idx="12"/>
+          </p:nvPr>
+        </p:nvSpPr>
+        <p:spPr/>
+        <p:txBody>
+          <a:bodyPr/>
+          <a:lstStyle/>
+          <a:p>
+            <a:fld id="{64B786DF-79B9-4B70-985F-88F544DCD793}" type="slidenum">
+              <a:rPr lang="sk-SK" smtClean="0"/>
+              <a:t>3</a:t>
+            </a:fld>
+            <a:r>
+              <a:rPr lang="sk-SK" dirty="0"/>
+              <a:t>/8</a:t>
+            </a:r>
+          </a:p>
+        </p:txBody>
+      </p:sp>
+      <p:sp>
+        <p:nvSpPr>
+          <p:cNvPr id="11" name="Rectangle 4">
+            <a:extLst>
+              <a:ext uri="{FF2B5EF4-FFF2-40B4-BE49-F238E27FC236}">
+                <a16:creationId xmlns:a16="http://schemas.microsoft.com/office/drawing/2014/main" id="{8FB54A3A-C542-6DF1-7F54-B6FF79E3E41A}"/>
+              </a:ext>
+            </a:extLst>
+          </p:cNvPr>
+          <p:cNvSpPr/>
+          <p:nvPr/>
+        </p:nvSpPr>
+        <p:spPr>
+          <a:xfrm>
+            <a:off x="0" y="6261707"/>
+            <a:ext cx="12192000" cy="45719"/>
+          </a:xfrm>
+          <a:prstGeom prst="rect">
+            <a:avLst/>
+          </a:prstGeom>
+          <a:solidFill>
+            <a:srgbClr val="264D99"/>
+          </a:solidFill>
+          <a:ln>
+            <a:solidFill>
+              <a:srgbClr val="264D99"/>
+            </a:solidFill>
+          </a:ln>
+        </p:spPr>
+        <p:style>
+          <a:lnRef idx="2">
+            <a:schemeClr val="accent6">
+              <a:shade val="50000"/>
+            </a:schemeClr>
+          </a:lnRef>
+          <a:fillRef idx="1">
+            <a:schemeClr val="accent6"/>
+          </a:fillRef>
+          <a:effectRef idx="0">
+            <a:schemeClr val="accent6"/>
+          </a:effectRef>
+          <a:fontRef idx="minor">
+            <a:schemeClr val="lt1"/>
+          </a:fontRef>
+        </p:style>
+        <p:txBody>
+          <a:bodyPr rtlCol="0" anchor="ctr"/>
+          <a:lstStyle/>
+          <a:p>
+            <a:pPr algn="ctr"/>
+            <a:endParaRPr lang="sk-SK"/>
+          </a:p>
+        </p:txBody>
+      </p:sp>
+      <p:sp>
+        <p:nvSpPr>
+          <p:cNvPr id="4" name="Rectangle 3">
+            <a:extLst>
+              <a:ext uri="{FF2B5EF4-FFF2-40B4-BE49-F238E27FC236}">
+                <a16:creationId xmlns:a16="http://schemas.microsoft.com/office/drawing/2014/main" id="{3C48ABBE-6C9E-CBBB-DB21-72D328CFCD7C}"/>
+              </a:ext>
+            </a:extLst>
+          </p:cNvPr>
+          <p:cNvSpPr/>
+          <p:nvPr/>
+        </p:nvSpPr>
+        <p:spPr>
+          <a:xfrm>
+            <a:off x="0" y="684728"/>
+            <a:ext cx="8611985" cy="45719"/>
+          </a:xfrm>
+          <a:prstGeom prst="rect">
+            <a:avLst/>
+          </a:prstGeom>
+          <a:solidFill>
+            <a:srgbClr val="264D99"/>
+          </a:solidFill>
+          <a:ln>
+            <a:solidFill>
+              <a:srgbClr val="264D99"/>
+            </a:solidFill>
+          </a:ln>
+        </p:spPr>
+        <p:style>
+          <a:lnRef idx="2">
+            <a:schemeClr val="accent6">
+              <a:shade val="50000"/>
+            </a:schemeClr>
+          </a:lnRef>
+          <a:fillRef idx="1">
+            <a:schemeClr val="accent6"/>
+          </a:fillRef>
+          <a:effectRef idx="0">
+            <a:schemeClr val="accent6"/>
+          </a:effectRef>
+          <a:fontRef idx="minor">
+            <a:schemeClr val="lt1"/>
+          </a:fontRef>
+        </p:style>
+        <p:txBody>
+          <a:bodyPr rtlCol="0" anchor="ctr"/>
+          <a:lstStyle/>
+          <a:p>
+            <a:pPr algn="ctr"/>
+            <a:endParaRPr lang="sk-SK"/>
+          </a:p>
+        </p:txBody>
+      </p:sp>
+      <p:sp>
+        <p:nvSpPr>
+          <p:cNvPr id="8" name="Rectangle 5">
+            <a:extLst>
+              <a:ext uri="{FF2B5EF4-FFF2-40B4-BE49-F238E27FC236}">
+                <a16:creationId xmlns:a16="http://schemas.microsoft.com/office/drawing/2014/main" id="{70062AD9-6EA3-C416-D69C-70B38DB12198}"/>
+              </a:ext>
+            </a:extLst>
+          </p:cNvPr>
+          <p:cNvSpPr/>
+          <p:nvPr/>
+        </p:nvSpPr>
+        <p:spPr>
+          <a:xfrm>
+            <a:off x="0" y="218243"/>
+            <a:ext cx="8610600" cy="369332"/>
+          </a:xfrm>
+          <a:prstGeom prst="rect">
+            <a:avLst/>
+          </a:prstGeom>
+        </p:spPr>
+        <p:txBody>
+          <a:bodyPr wrap="square">
+            <a:spAutoFit/>
+          </a:bodyPr>
+          <a:lstStyle/>
+          <a:p>
+            <a:r>
+              <a:rPr lang="sk-SK" dirty="0">
+                <a:solidFill>
+                  <a:srgbClr val="264D99"/>
+                </a:solidFill>
+              </a:rPr>
+              <a:t>Využitie LLM pre právne dokumenty</a:t>
+            </a:r>
+          </a:p>
+        </p:txBody>
+      </p:sp>
+      <p:pic>
+        <p:nvPicPr>
+          <p:cNvPr id="9" name="Picture 8">
+            <a:extLst>
+              <a:ext uri="{FF2B5EF4-FFF2-40B4-BE49-F238E27FC236}">
+                <a16:creationId xmlns:a16="http://schemas.microsoft.com/office/drawing/2014/main" id="{51AA0C39-54D5-6265-6B03-E9C3E1EE5643}"/>
+              </a:ext>
+            </a:extLst>
+          </p:cNvPr>
+          <p:cNvPicPr>
+            <a:picLocks noChangeAspect="1"/>
+          </p:cNvPicPr>
+          <p:nvPr/>
+        </p:nvPicPr>
+        <p:blipFill>
+          <a:blip r:embed="rId3">
+            <a:extLst>
+              <a:ext uri="{28A0092B-C50C-407E-A947-70E740481C1C}">
+                <a14:useLocalDpi xmlns:a14="http://schemas.microsoft.com/office/drawing/2010/main" val="0"/>
+              </a:ext>
+            </a:extLst>
+          </a:blip>
+          <a:stretch>
+            <a:fillRect/>
+          </a:stretch>
+        </p:blipFill>
+        <p:spPr>
+          <a:xfrm>
+            <a:off x="9931400" y="0"/>
+            <a:ext cx="2260600" cy="1295400"/>
+          </a:xfrm>
+          <a:prstGeom prst="rect">
+            <a:avLst/>
+          </a:prstGeom>
+        </p:spPr>
+      </p:pic>
+    </p:spTree>
+    <p:extLst>
+      <p:ext uri="{BB962C8B-B14F-4D97-AF65-F5344CB8AC3E}">
+        <p14:creationId xmlns:p14="http://schemas.microsoft.com/office/powerpoint/2010/main" val="3195150876"/>
+      </p:ext>
+    </p:extLst>
+  </p:cSld>
+  <p:clrMapOvr>
+    <a:masterClrMapping/>
+  </p:clrMapOvr>
+</p:sld>
+</file>
+
+<file path=ppt/slides/slide4.xml><?xml version="1.0" encoding="utf-8"?>
+<p:sld xmlns:a="http://schemas.openxmlformats.org/drawingml/2006/main" xmlns:r="http://schemas.openxmlformats.org/officeDocument/2006/relationships" xmlns:p="http://schemas.openxmlformats.org/presentationml/2006/main">
+  <p:cSld>
+    <p:spTree>
+      <p:nvGrpSpPr>
+        <p:cNvPr id="1" name="">
+          <a:extLst>
+            <a:ext uri="{FF2B5EF4-FFF2-40B4-BE49-F238E27FC236}">
+              <a16:creationId xmlns:a16="http://schemas.microsoft.com/office/drawing/2014/main" id="{6A0F67AB-218C-CEEA-D1A4-099652C891A7}"/>
+            </a:ext>
+          </a:extLst>
+        </p:cNvPr>
+        <p:cNvGrpSpPr/>
+        <p:nvPr/>
+      </p:nvGrpSpPr>
+      <p:grpSpPr>
+        <a:xfrm>
+          <a:off x="0" y="0"/>
+          <a:ext cx="0" cy="0"/>
+          <a:chOff x="0" y="0"/>
+          <a:chExt cx="0" cy="0"/>
+        </a:xfrm>
+      </p:grpSpPr>
+      <p:sp>
+        <p:nvSpPr>
+          <p:cNvPr id="2" name="Title 1">
+            <a:extLst>
+              <a:ext uri="{FF2B5EF4-FFF2-40B4-BE49-F238E27FC236}">
+                <a16:creationId xmlns:a16="http://schemas.microsoft.com/office/drawing/2014/main" id="{3AD4B91B-ECCF-B8C9-4C4A-CB690F9262EA}"/>
+              </a:ext>
+            </a:extLst>
+          </p:cNvPr>
+          <p:cNvSpPr>
+            <a:spLocks noGrp="1"/>
+          </p:cNvSpPr>
+          <p:nvPr>
+            <p:ph type="title"/>
+          </p:nvPr>
+        </p:nvSpPr>
+        <p:spPr>
+          <a:xfrm>
+            <a:off x="838200" y="814613"/>
+            <a:ext cx="10515600" cy="876075"/>
+          </a:xfrm>
+        </p:spPr>
+        <p:txBody>
+          <a:bodyPr/>
+          <a:lstStyle/>
+          <a:p>
+            <a:r>
+              <a:rPr lang="sk-SK" dirty="0" err="1"/>
+              <a:t>Problem</a:t>
+            </a:r>
+            <a:endParaRPr lang="sk-SK" dirty="0"/>
+          </a:p>
+        </p:txBody>
+      </p:sp>
+      <p:sp>
+        <p:nvSpPr>
+          <p:cNvPr id="3" name="Content Placeholder 2">
+            <a:extLst>
+              <a:ext uri="{FF2B5EF4-FFF2-40B4-BE49-F238E27FC236}">
+                <a16:creationId xmlns:a16="http://schemas.microsoft.com/office/drawing/2014/main" id="{13963D4B-6A94-5911-252F-E68654F5A20F}"/>
+              </a:ext>
+            </a:extLst>
+          </p:cNvPr>
+          <p:cNvSpPr>
+            <a:spLocks noGrp="1"/>
+          </p:cNvSpPr>
+          <p:nvPr>
+            <p:ph idx="1"/>
+          </p:nvPr>
+        </p:nvSpPr>
+        <p:spPr/>
+        <p:txBody>
+          <a:bodyPr/>
+          <a:lstStyle/>
+          <a:p>
+            <a:pPr marL="0" indent="0">
+              <a:buNone/>
+            </a:pPr>
+            <a:r>
+              <a:rPr lang="en-US" dirty="0" err="1"/>
+              <a:t>Problematika</a:t>
+            </a:r>
+            <a:r>
+              <a:rPr lang="en-US" dirty="0"/>
+              <a:t> </a:t>
+            </a:r>
+            <a:r>
+              <a:rPr lang="en-US" dirty="0" err="1"/>
+              <a:t>halucinácie</a:t>
+            </a:r>
+            <a:r>
+              <a:rPr lang="en-US" dirty="0"/>
+              <a:t> LLM </a:t>
+            </a:r>
+            <a:r>
+              <a:rPr lang="en-US" dirty="0" err="1"/>
+              <a:t>pri</a:t>
+            </a:r>
+            <a:r>
+              <a:rPr lang="en-US" dirty="0"/>
+              <a:t> </a:t>
+            </a:r>
+            <a:r>
+              <a:rPr lang="en-US" dirty="0" err="1"/>
+              <a:t>pýtani</a:t>
+            </a:r>
+            <a:r>
+              <a:rPr lang="en-US" dirty="0"/>
+              <a:t> </a:t>
+            </a:r>
+            <a:r>
+              <a:rPr lang="en-US" dirty="0" err="1"/>
+              <a:t>sa</a:t>
+            </a:r>
+            <a:r>
+              <a:rPr lang="en-US" dirty="0"/>
+              <a:t> </a:t>
+            </a:r>
+            <a:r>
+              <a:rPr lang="en-US" dirty="0" err="1"/>
+              <a:t>otázok</a:t>
+            </a:r>
+            <a:r>
+              <a:rPr lang="en-US" dirty="0"/>
+              <a:t> </a:t>
+            </a:r>
+            <a:r>
+              <a:rPr lang="en-US" dirty="0" err="1"/>
+              <a:t>na</a:t>
+            </a:r>
+            <a:r>
+              <a:rPr lang="en-US" dirty="0"/>
+              <a:t> </a:t>
+            </a:r>
+            <a:r>
+              <a:rPr lang="en-US" dirty="0" err="1"/>
+              <a:t>legálne</a:t>
+            </a:r>
+            <a:r>
+              <a:rPr lang="en-US" dirty="0"/>
+              <a:t> </a:t>
+            </a:r>
+            <a:r>
+              <a:rPr lang="en-US" dirty="0" err="1"/>
+              <a:t>pojmy</a:t>
+            </a:r>
+            <a:r>
+              <a:rPr lang="en-US" dirty="0"/>
+              <a:t>.</a:t>
+            </a:r>
+          </a:p>
+          <a:p>
+            <a:pPr marL="0" indent="0">
+              <a:buNone/>
+            </a:pPr>
+            <a:r>
+              <a:rPr lang="en-US" sz="2000" dirty="0" err="1"/>
+              <a:t>Príklad</a:t>
+            </a:r>
+            <a:r>
+              <a:rPr lang="en-US" sz="2000" dirty="0"/>
+              <a:t>: </a:t>
+            </a:r>
+            <a:r>
+              <a:rPr lang="en-US" sz="2000" dirty="0" err="1"/>
+              <a:t>daň</a:t>
+            </a:r>
+            <a:r>
+              <a:rPr lang="en-US" sz="2000" dirty="0"/>
+              <a:t> z </a:t>
+            </a:r>
+            <a:r>
+              <a:rPr lang="en-US" sz="2000" dirty="0" err="1"/>
+              <a:t>pridanej</a:t>
+            </a:r>
+            <a:r>
+              <a:rPr lang="en-US" sz="2000" dirty="0"/>
+              <a:t> </a:t>
+            </a:r>
+            <a:r>
+              <a:rPr lang="en-US" sz="2000" dirty="0" err="1"/>
+              <a:t>hodnoty</a:t>
+            </a:r>
+            <a:r>
+              <a:rPr lang="en-US" sz="2000" dirty="0"/>
+              <a:t> – </a:t>
+            </a:r>
+            <a:r>
+              <a:rPr lang="en-US" sz="2000" dirty="0" err="1"/>
+              <a:t>daň</a:t>
+            </a:r>
+            <a:r>
+              <a:rPr lang="en-US" sz="2000" dirty="0"/>
+              <a:t> z </a:t>
+            </a:r>
+            <a:r>
+              <a:rPr lang="en-US" sz="2000" dirty="0" err="1"/>
+              <a:t>príjmu</a:t>
+            </a:r>
+            <a:endParaRPr lang="en-US" sz="2000" dirty="0"/>
+          </a:p>
+          <a:p>
+            <a:pPr marL="0" indent="0">
+              <a:buNone/>
+            </a:pPr>
+            <a:endParaRPr lang="en-US" sz="2000" dirty="0"/>
+          </a:p>
+          <a:p>
+            <a:pPr marL="0" indent="0">
+              <a:buNone/>
+            </a:pPr>
+            <a:r>
+              <a:rPr lang="en-US" sz="2000" dirty="0" err="1"/>
+              <a:t>Ukazat</a:t>
+            </a:r>
+            <a:r>
+              <a:rPr lang="en-US" sz="2000" dirty="0"/>
+              <a:t> problem</a:t>
+            </a:r>
+            <a:endParaRPr lang="sk-SK" sz="2000" dirty="0"/>
+          </a:p>
+        </p:txBody>
+      </p:sp>
+      <p:sp>
+        <p:nvSpPr>
+          <p:cNvPr id="10" name="Zástupný symbol čísla snímky 9">
+            <a:extLst>
+              <a:ext uri="{FF2B5EF4-FFF2-40B4-BE49-F238E27FC236}">
+                <a16:creationId xmlns:a16="http://schemas.microsoft.com/office/drawing/2014/main" id="{7075B9FA-981B-EDF4-54C9-48F514725AF2}"/>
+              </a:ext>
+            </a:extLst>
+          </p:cNvPr>
+          <p:cNvSpPr>
+            <a:spLocks noGrp="1"/>
+          </p:cNvSpPr>
+          <p:nvPr>
+            <p:ph type="sldNum" sz="quarter" idx="12"/>
+          </p:nvPr>
+        </p:nvSpPr>
+        <p:spPr/>
+        <p:txBody>
+          <a:bodyPr/>
+          <a:lstStyle/>
+          <a:p>
+            <a:fld id="{64B786DF-79B9-4B70-985F-88F544DCD793}" type="slidenum">
+              <a:rPr lang="sk-SK" smtClean="0"/>
+              <a:t>4</a:t>
+            </a:fld>
+            <a:r>
+              <a:rPr lang="sk-SK" dirty="0"/>
+              <a:t>/8</a:t>
+            </a:r>
+          </a:p>
+        </p:txBody>
+      </p:sp>
+      <p:sp>
+        <p:nvSpPr>
+          <p:cNvPr id="12" name="Rectangle 4">
+            <a:extLst>
+              <a:ext uri="{FF2B5EF4-FFF2-40B4-BE49-F238E27FC236}">
+                <a16:creationId xmlns:a16="http://schemas.microsoft.com/office/drawing/2014/main" id="{6641730D-6C61-4835-ADE1-E9461DDB413E}"/>
+              </a:ext>
+            </a:extLst>
+          </p:cNvPr>
+          <p:cNvSpPr/>
+          <p:nvPr/>
+        </p:nvSpPr>
+        <p:spPr>
+          <a:xfrm>
+            <a:off x="0" y="6261707"/>
+            <a:ext cx="12192000" cy="45719"/>
+          </a:xfrm>
+          <a:prstGeom prst="rect">
+            <a:avLst/>
+          </a:prstGeom>
+          <a:solidFill>
+            <a:srgbClr val="264D99"/>
+          </a:solidFill>
+          <a:ln>
+            <a:solidFill>
+              <a:srgbClr val="264D99"/>
+            </a:solidFill>
+          </a:ln>
+        </p:spPr>
+        <p:style>
+          <a:lnRef idx="2">
+            <a:schemeClr val="accent6">
+              <a:shade val="50000"/>
+            </a:schemeClr>
+          </a:lnRef>
+          <a:fillRef idx="1">
+            <a:schemeClr val="accent6"/>
+          </a:fillRef>
+          <a:effectRef idx="0">
+            <a:schemeClr val="accent6"/>
+          </a:effectRef>
+          <a:fontRef idx="minor">
+            <a:schemeClr val="lt1"/>
+          </a:fontRef>
+        </p:style>
+        <p:txBody>
+          <a:bodyPr rtlCol="0" anchor="ctr"/>
+          <a:lstStyle/>
+          <a:p>
+            <a:pPr algn="ctr"/>
+            <a:endParaRPr lang="sk-SK"/>
+          </a:p>
+        </p:txBody>
+      </p:sp>
+      <p:sp>
+        <p:nvSpPr>
+          <p:cNvPr id="14" name="Rectangle 4">
+            <a:extLst>
+              <a:ext uri="{FF2B5EF4-FFF2-40B4-BE49-F238E27FC236}">
+                <a16:creationId xmlns:a16="http://schemas.microsoft.com/office/drawing/2014/main" id="{E11CD539-14C7-F61B-1B10-371B12180D13}"/>
+              </a:ext>
+            </a:extLst>
+          </p:cNvPr>
+          <p:cNvSpPr/>
+          <p:nvPr/>
+        </p:nvSpPr>
+        <p:spPr>
+          <a:xfrm>
+            <a:off x="265319" y="6311900"/>
+            <a:ext cx="8290283" cy="369332"/>
+          </a:xfrm>
+          <a:prstGeom prst="rect">
+            <a:avLst/>
+          </a:prstGeom>
+        </p:spPr>
+        <p:txBody>
+          <a:bodyPr wrap="square">
+            <a:spAutoFit/>
+          </a:bodyPr>
+          <a:lstStyle/>
+          <a:p>
+            <a:r>
+              <a:rPr lang="sk-SK" dirty="0"/>
+              <a:t>Autor: Samuel Bagín</a:t>
+            </a:r>
+          </a:p>
+        </p:txBody>
+      </p:sp>
+      <p:sp>
+        <p:nvSpPr>
+          <p:cNvPr id="5" name="Rectangle 3">
+            <a:extLst>
+              <a:ext uri="{FF2B5EF4-FFF2-40B4-BE49-F238E27FC236}">
+                <a16:creationId xmlns:a16="http://schemas.microsoft.com/office/drawing/2014/main" id="{F8A2EC85-EDC4-1DED-728D-84E4ECCBC064}"/>
+              </a:ext>
+            </a:extLst>
+          </p:cNvPr>
+          <p:cNvSpPr/>
+          <p:nvPr/>
+        </p:nvSpPr>
+        <p:spPr>
+          <a:xfrm>
+            <a:off x="0" y="684728"/>
+            <a:ext cx="8611985" cy="45719"/>
+          </a:xfrm>
+          <a:prstGeom prst="rect">
+            <a:avLst/>
+          </a:prstGeom>
+          <a:solidFill>
+            <a:srgbClr val="264D99"/>
+          </a:solidFill>
+          <a:ln>
+            <a:solidFill>
+              <a:srgbClr val="264D99"/>
+            </a:solidFill>
+          </a:ln>
+        </p:spPr>
+        <p:style>
+          <a:lnRef idx="2">
+            <a:schemeClr val="accent6">
+              <a:shade val="50000"/>
+            </a:schemeClr>
+          </a:lnRef>
+          <a:fillRef idx="1">
+            <a:schemeClr val="accent6"/>
+          </a:fillRef>
+          <a:effectRef idx="0">
+            <a:schemeClr val="accent6"/>
+          </a:effectRef>
+          <a:fontRef idx="minor">
+            <a:schemeClr val="lt1"/>
+          </a:fontRef>
+        </p:style>
+        <p:txBody>
+          <a:bodyPr rtlCol="0" anchor="ctr"/>
+          <a:lstStyle/>
+          <a:p>
+            <a:pPr algn="ctr"/>
+            <a:endParaRPr lang="sk-SK"/>
+          </a:p>
+        </p:txBody>
+      </p:sp>
+      <p:sp>
+        <p:nvSpPr>
+          <p:cNvPr id="7" name="Rectangle 5">
+            <a:extLst>
+              <a:ext uri="{FF2B5EF4-FFF2-40B4-BE49-F238E27FC236}">
+                <a16:creationId xmlns:a16="http://schemas.microsoft.com/office/drawing/2014/main" id="{92DA50B7-BA74-55BC-7A39-B1473E3F9290}"/>
+              </a:ext>
+            </a:extLst>
+          </p:cNvPr>
+          <p:cNvSpPr/>
+          <p:nvPr/>
+        </p:nvSpPr>
+        <p:spPr>
+          <a:xfrm>
+            <a:off x="0" y="218243"/>
+            <a:ext cx="8610600" cy="369332"/>
+          </a:xfrm>
+          <a:prstGeom prst="rect">
+            <a:avLst/>
+          </a:prstGeom>
+        </p:spPr>
+        <p:txBody>
+          <a:bodyPr wrap="square">
+            <a:spAutoFit/>
+          </a:bodyPr>
+          <a:lstStyle/>
+          <a:p>
+            <a:r>
+              <a:rPr lang="sk-SK" dirty="0">
+                <a:solidFill>
+                  <a:srgbClr val="264D99"/>
+                </a:solidFill>
+              </a:rPr>
+              <a:t>Využitie LLM pre právne dokumenty</a:t>
+            </a:r>
+          </a:p>
+        </p:txBody>
+      </p:sp>
+      <p:pic>
+        <p:nvPicPr>
+          <p:cNvPr id="4" name="Picture 3">
+            <a:extLst>
+              <a:ext uri="{FF2B5EF4-FFF2-40B4-BE49-F238E27FC236}">
+                <a16:creationId xmlns:a16="http://schemas.microsoft.com/office/drawing/2014/main" id="{90CD6D3C-CB3A-C7D5-7D23-E1444DAC3A59}"/>
+              </a:ext>
+            </a:extLst>
+          </p:cNvPr>
+          <p:cNvPicPr>
+            <a:picLocks noChangeAspect="1"/>
+          </p:cNvPicPr>
+          <p:nvPr/>
+        </p:nvPicPr>
+        <p:blipFill>
+          <a:blip r:embed="rId2">
+            <a:extLst>
+              <a:ext uri="{28A0092B-C50C-407E-A947-70E740481C1C}">
+                <a14:useLocalDpi xmlns:a14="http://schemas.microsoft.com/office/drawing/2010/main" val="0"/>
+              </a:ext>
+            </a:extLst>
+          </a:blip>
+          <a:stretch>
+            <a:fillRect/>
+          </a:stretch>
+        </p:blipFill>
+        <p:spPr>
+          <a:xfrm>
+            <a:off x="9931400" y="0"/>
+            <a:ext cx="2260600" cy="1295400"/>
+          </a:xfrm>
+          <a:prstGeom prst="rect">
+            <a:avLst/>
+          </a:prstGeom>
+        </p:spPr>
+      </p:pic>
+    </p:spTree>
+    <p:extLst>
+      <p:ext uri="{BB962C8B-B14F-4D97-AF65-F5344CB8AC3E}">
+        <p14:creationId xmlns:p14="http://schemas.microsoft.com/office/powerpoint/2010/main" val="430900912"/>
+      </p:ext>
+    </p:extLst>
+  </p:cSld>
+  <p:clrMapOvr>
+    <a:masterClrMapping/>
+  </p:clrMapOvr>
+</p:sld>
+</file>
+
+<file path=ppt/slides/slide5.xml><?xml version="1.0" encoding="utf-8"?>
+<p:sld xmlns:a="http://schemas.openxmlformats.org/drawingml/2006/main" xmlns:r="http://schemas.openxmlformats.org/officeDocument/2006/relationships" xmlns:p="http://schemas.openxmlformats.org/presentationml/2006/main">
+  <p:cSld>
+    <p:spTree>
+      <p:nvGrpSpPr>
         <p:cNvPr id="1" name=""/>
         <p:cNvGrpSpPr/>
         <p:nvPr/>
@@ -4643,17 +5534,7 @@
             </a:pPr>
             <a:r>
               <a:rPr lang="sk-SK" sz="3200" b="1" u="sng" dirty="0"/>
-              <a:t>1. fáza projektu – spracovanie znalostí</a:t>
-            </a:r>
-          </a:p>
-          <a:p>
-            <a:r>
-              <a:rPr lang="sk-SK" sz="2800" dirty="0"/>
-              <a:t>Na</a:t>
-            </a:r>
-            <a:r>
-              <a:rPr lang="sk-SK" dirty="0"/>
-              <a:t>čítanie súboru</a:t>
+              <a:t>1. fáza – spracovanie znalostí</a:t>
             </a:r>
           </a:p>
           <a:p>
@@ -4764,7 +5645,7 @@
           <a:p>
             <a:fld id="{64B786DF-79B9-4B70-985F-88F544DCD793}" type="slidenum">
               <a:rPr lang="sk-SK" smtClean="0"/>
-              <a:t>3</a:t>
+              <a:t>5</a:t>
             </a:fld>
             <a:r>
               <a:rPr lang="sk-SK" dirty="0"/>
@@ -4962,7 +5843,7 @@
 </p:sld>
 </file>
 
-<file path=ppt/slides/slide4.xml><?xml version="1.0" encoding="utf-8"?>
+<file path=ppt/slides/slide6.xml><?xml version="1.0" encoding="utf-8"?>
 <p:sld xmlns:a="http://schemas.openxmlformats.org/drawingml/2006/main" xmlns:r="http://schemas.openxmlformats.org/officeDocument/2006/relationships" xmlns:p="http://schemas.openxmlformats.org/presentationml/2006/main">
   <p:cSld>
     <p:spTree>
@@ -5215,7 +6096,7 @@
           <a:p>
             <a:fld id="{64B786DF-79B9-4B70-985F-88F544DCD793}" type="slidenum">
               <a:rPr lang="sk-SK" smtClean="0"/>
-              <a:t>4</a:t>
+              <a:t>6</a:t>
             </a:fld>
             <a:r>
               <a:rPr lang="sk-SK" dirty="0"/>
@@ -5419,367 +6300,7 @@
 </p:sld>
 </file>
 
-<file path=ppt/slides/slide5.xml><?xml version="1.0" encoding="utf-8"?>
-<p:sld xmlns:a="http://schemas.openxmlformats.org/drawingml/2006/main" xmlns:r="http://schemas.openxmlformats.org/officeDocument/2006/relationships" xmlns:p="http://schemas.openxmlformats.org/presentationml/2006/main">
-  <p:cSld>
-    <p:spTree>
-      <p:nvGrpSpPr>
-        <p:cNvPr id="1" name="">
-          <a:extLst>
-            <a:ext uri="{FF2B5EF4-FFF2-40B4-BE49-F238E27FC236}">
-              <a16:creationId xmlns:a16="http://schemas.microsoft.com/office/drawing/2014/main" id="{2AD20848-0EAE-4B1E-C774-567702B778FB}"/>
-            </a:ext>
-          </a:extLst>
-        </p:cNvPr>
-        <p:cNvGrpSpPr/>
-        <p:nvPr/>
-      </p:nvGrpSpPr>
-      <p:grpSpPr>
-        <a:xfrm>
-          <a:off x="0" y="0"/>
-          <a:ext cx="0" cy="0"/>
-          <a:chOff x="0" y="0"/>
-          <a:chExt cx="0" cy="0"/>
-        </a:xfrm>
-      </p:grpSpPr>
-      <p:sp>
-        <p:nvSpPr>
-          <p:cNvPr id="2" name="Title 1">
-            <a:extLst>
-              <a:ext uri="{FF2B5EF4-FFF2-40B4-BE49-F238E27FC236}">
-                <a16:creationId xmlns:a16="http://schemas.microsoft.com/office/drawing/2014/main" id="{7DE380F7-7755-EAA2-F17F-BDEE1ACF727F}"/>
-              </a:ext>
-            </a:extLst>
-          </p:cNvPr>
-          <p:cNvSpPr>
-            <a:spLocks noGrp="1"/>
-          </p:cNvSpPr>
-          <p:nvPr>
-            <p:ph type="title"/>
-          </p:nvPr>
-        </p:nvSpPr>
-        <p:spPr>
-          <a:xfrm>
-            <a:off x="838200" y="814613"/>
-            <a:ext cx="10515600" cy="876075"/>
-          </a:xfrm>
-        </p:spPr>
-        <p:txBody>
-          <a:bodyPr/>
-          <a:lstStyle/>
-          <a:p>
-            <a:r>
-              <a:rPr lang="sk-SK" dirty="0"/>
-              <a:t>Overené podobné riešenia</a:t>
-            </a:r>
-          </a:p>
-        </p:txBody>
-      </p:sp>
-      <p:sp>
-        <p:nvSpPr>
-          <p:cNvPr id="3" name="Content Placeholder 2">
-            <a:extLst>
-              <a:ext uri="{FF2B5EF4-FFF2-40B4-BE49-F238E27FC236}">
-                <a16:creationId xmlns:a16="http://schemas.microsoft.com/office/drawing/2014/main" id="{B22D3BE0-01C0-717D-C9F7-0990423191A8}"/>
-              </a:ext>
-            </a:extLst>
-          </p:cNvPr>
-          <p:cNvSpPr>
-            <a:spLocks noGrp="1"/>
-          </p:cNvSpPr>
-          <p:nvPr>
-            <p:ph idx="1"/>
-          </p:nvPr>
-        </p:nvSpPr>
-        <p:spPr/>
-        <p:txBody>
-          <a:bodyPr/>
-          <a:lstStyle/>
-          <a:p>
-            <a:pPr marL="0" indent="0">
-              <a:buNone/>
-            </a:pPr>
-            <a:r>
-              <a:rPr lang="sk-SK" sz="2800" dirty="0" err="1"/>
-              <a:t>Blackstone</a:t>
-            </a:r>
-            <a:r>
-              <a:rPr lang="sk-SK" sz="2800" dirty="0"/>
-              <a:t> – britské riešenie, </a:t>
-            </a:r>
-            <a:r>
-              <a:rPr lang="sk-SK" sz="2800" noProof="1"/>
-              <a:t>využivajúce</a:t>
-            </a:r>
-            <a:r>
-              <a:rPr lang="sk-SK" sz="2800" dirty="0"/>
-              <a:t> strojové učenie</a:t>
-            </a:r>
-          </a:p>
-        </p:txBody>
-      </p:sp>
-      <p:sp>
-        <p:nvSpPr>
-          <p:cNvPr id="5" name="Rectangle 4">
-            <a:extLst>
-              <a:ext uri="{FF2B5EF4-FFF2-40B4-BE49-F238E27FC236}">
-                <a16:creationId xmlns:a16="http://schemas.microsoft.com/office/drawing/2014/main" id="{B4A55019-22A4-32AD-4E1E-27EF8A192991}"/>
-              </a:ext>
-            </a:extLst>
-          </p:cNvPr>
-          <p:cNvSpPr/>
-          <p:nvPr/>
-        </p:nvSpPr>
-        <p:spPr>
-          <a:xfrm>
-            <a:off x="265319" y="6311900"/>
-            <a:ext cx="8290283" cy="369332"/>
-          </a:xfrm>
-          <a:prstGeom prst="rect">
-            <a:avLst/>
-          </a:prstGeom>
-        </p:spPr>
-        <p:txBody>
-          <a:bodyPr wrap="square">
-            <a:spAutoFit/>
-          </a:bodyPr>
-          <a:lstStyle/>
-          <a:p>
-            <a:r>
-              <a:rPr lang="sk-SK" dirty="0"/>
-              <a:t>Autor: Samuel Bagín</a:t>
-            </a:r>
-          </a:p>
-        </p:txBody>
-      </p:sp>
-      <p:sp>
-        <p:nvSpPr>
-          <p:cNvPr id="10" name="Zástupný symbol čísla snímky 9">
-            <a:extLst>
-              <a:ext uri="{FF2B5EF4-FFF2-40B4-BE49-F238E27FC236}">
-                <a16:creationId xmlns:a16="http://schemas.microsoft.com/office/drawing/2014/main" id="{5FFE2A80-C845-8B80-8EBC-B0930091205A}"/>
-              </a:ext>
-            </a:extLst>
-          </p:cNvPr>
-          <p:cNvSpPr>
-            <a:spLocks noGrp="1"/>
-          </p:cNvSpPr>
-          <p:nvPr>
-            <p:ph type="sldNum" sz="quarter" idx="12"/>
-          </p:nvPr>
-        </p:nvSpPr>
-        <p:spPr/>
-        <p:txBody>
-          <a:bodyPr/>
-          <a:lstStyle/>
-          <a:p>
-            <a:fld id="{64B786DF-79B9-4B70-985F-88F544DCD793}" type="slidenum">
-              <a:rPr lang="sk-SK" smtClean="0"/>
-              <a:t>5</a:t>
-            </a:fld>
-            <a:r>
-              <a:rPr lang="sk-SK" dirty="0"/>
-              <a:t>/8</a:t>
-            </a:r>
-          </a:p>
-        </p:txBody>
-      </p:sp>
-      <p:sp>
-        <p:nvSpPr>
-          <p:cNvPr id="11" name="Rectangle 4">
-            <a:extLst>
-              <a:ext uri="{FF2B5EF4-FFF2-40B4-BE49-F238E27FC236}">
-                <a16:creationId xmlns:a16="http://schemas.microsoft.com/office/drawing/2014/main" id="{8FB54A3A-C542-6DF1-7F54-B6FF79E3E41A}"/>
-              </a:ext>
-            </a:extLst>
-          </p:cNvPr>
-          <p:cNvSpPr/>
-          <p:nvPr/>
-        </p:nvSpPr>
-        <p:spPr>
-          <a:xfrm>
-            <a:off x="0" y="6261707"/>
-            <a:ext cx="12192000" cy="45719"/>
-          </a:xfrm>
-          <a:prstGeom prst="rect">
-            <a:avLst/>
-          </a:prstGeom>
-          <a:solidFill>
-            <a:srgbClr val="264D99"/>
-          </a:solidFill>
-          <a:ln>
-            <a:solidFill>
-              <a:srgbClr val="264D99"/>
-            </a:solidFill>
-          </a:ln>
-        </p:spPr>
-        <p:style>
-          <a:lnRef idx="2">
-            <a:schemeClr val="accent6">
-              <a:shade val="50000"/>
-            </a:schemeClr>
-          </a:lnRef>
-          <a:fillRef idx="1">
-            <a:schemeClr val="accent6"/>
-          </a:fillRef>
-          <a:effectRef idx="0">
-            <a:schemeClr val="accent6"/>
-          </a:effectRef>
-          <a:fontRef idx="minor">
-            <a:schemeClr val="lt1"/>
-          </a:fontRef>
-        </p:style>
-        <p:txBody>
-          <a:bodyPr rtlCol="0" anchor="ctr"/>
-          <a:lstStyle/>
-          <a:p>
-            <a:pPr algn="ctr"/>
-            <a:endParaRPr lang="sk-SK"/>
-          </a:p>
-        </p:txBody>
-      </p:sp>
-      <p:sp>
-        <p:nvSpPr>
-          <p:cNvPr id="4" name="Rectangle 3">
-            <a:extLst>
-              <a:ext uri="{FF2B5EF4-FFF2-40B4-BE49-F238E27FC236}">
-                <a16:creationId xmlns:a16="http://schemas.microsoft.com/office/drawing/2014/main" id="{3C48ABBE-6C9E-CBBB-DB21-72D328CFCD7C}"/>
-              </a:ext>
-            </a:extLst>
-          </p:cNvPr>
-          <p:cNvSpPr/>
-          <p:nvPr/>
-        </p:nvSpPr>
-        <p:spPr>
-          <a:xfrm>
-            <a:off x="0" y="684728"/>
-            <a:ext cx="8611985" cy="45719"/>
-          </a:xfrm>
-          <a:prstGeom prst="rect">
-            <a:avLst/>
-          </a:prstGeom>
-          <a:solidFill>
-            <a:srgbClr val="264D99"/>
-          </a:solidFill>
-          <a:ln>
-            <a:solidFill>
-              <a:srgbClr val="264D99"/>
-            </a:solidFill>
-          </a:ln>
-        </p:spPr>
-        <p:style>
-          <a:lnRef idx="2">
-            <a:schemeClr val="accent6">
-              <a:shade val="50000"/>
-            </a:schemeClr>
-          </a:lnRef>
-          <a:fillRef idx="1">
-            <a:schemeClr val="accent6"/>
-          </a:fillRef>
-          <a:effectRef idx="0">
-            <a:schemeClr val="accent6"/>
-          </a:effectRef>
-          <a:fontRef idx="minor">
-            <a:schemeClr val="lt1"/>
-          </a:fontRef>
-        </p:style>
-        <p:txBody>
-          <a:bodyPr rtlCol="0" anchor="ctr"/>
-          <a:lstStyle/>
-          <a:p>
-            <a:pPr algn="ctr"/>
-            <a:endParaRPr lang="sk-SK"/>
-          </a:p>
-        </p:txBody>
-      </p:sp>
-      <p:sp>
-        <p:nvSpPr>
-          <p:cNvPr id="8" name="Rectangle 5">
-            <a:extLst>
-              <a:ext uri="{FF2B5EF4-FFF2-40B4-BE49-F238E27FC236}">
-                <a16:creationId xmlns:a16="http://schemas.microsoft.com/office/drawing/2014/main" id="{70062AD9-6EA3-C416-D69C-70B38DB12198}"/>
-              </a:ext>
-            </a:extLst>
-          </p:cNvPr>
-          <p:cNvSpPr/>
-          <p:nvPr/>
-        </p:nvSpPr>
-        <p:spPr>
-          <a:xfrm>
-            <a:off x="0" y="218243"/>
-            <a:ext cx="8610600" cy="369332"/>
-          </a:xfrm>
-          <a:prstGeom prst="rect">
-            <a:avLst/>
-          </a:prstGeom>
-        </p:spPr>
-        <p:txBody>
-          <a:bodyPr wrap="square">
-            <a:spAutoFit/>
-          </a:bodyPr>
-          <a:lstStyle/>
-          <a:p>
-            <a:r>
-              <a:rPr lang="sk-SK" dirty="0">
-                <a:solidFill>
-                  <a:srgbClr val="264D99"/>
-                </a:solidFill>
-              </a:rPr>
-              <a:t>Využitie LLM pre právne dokumenty</a:t>
-            </a:r>
-          </a:p>
-        </p:txBody>
-      </p:sp>
-      <p:pic>
-        <p:nvPicPr>
-          <p:cNvPr id="9" name="Picture 8">
-            <a:extLst>
-              <a:ext uri="{FF2B5EF4-FFF2-40B4-BE49-F238E27FC236}">
-                <a16:creationId xmlns:a16="http://schemas.microsoft.com/office/drawing/2014/main" id="{51AA0C39-54D5-6265-6B03-E9C3E1EE5643}"/>
-              </a:ext>
-            </a:extLst>
-          </p:cNvPr>
-          <p:cNvPicPr>
-            <a:picLocks noChangeAspect="1"/>
-          </p:cNvPicPr>
-          <p:nvPr/>
-        </p:nvPicPr>
-        <p:blipFill>
-          <a:blip r:embed="rId3">
-            <a:extLst>
-              <a:ext uri="{28A0092B-C50C-407E-A947-70E740481C1C}">
-                <a14:useLocalDpi xmlns:a14="http://schemas.microsoft.com/office/drawing/2010/main" val="0"/>
-              </a:ext>
-            </a:extLst>
-          </a:blip>
-          <a:stretch>
-            <a:fillRect/>
-          </a:stretch>
-        </p:blipFill>
-        <p:spPr>
-          <a:xfrm>
-            <a:off x="9931400" y="0"/>
-            <a:ext cx="2260600" cy="1295400"/>
-          </a:xfrm>
-          <a:prstGeom prst="rect">
-            <a:avLst/>
-          </a:prstGeom>
-        </p:spPr>
-      </p:pic>
-    </p:spTree>
-    <p:extLst>
-      <p:ext uri="{BB962C8B-B14F-4D97-AF65-F5344CB8AC3E}">
-        <p14:creationId xmlns:p14="http://schemas.microsoft.com/office/powerpoint/2010/main" val="3195150876"/>
-      </p:ext>
-    </p:extLst>
-  </p:cSld>
-  <p:clrMapOvr>
-    <a:masterClrMapping/>
-  </p:clrMapOvr>
-</p:sld>
-</file>
-
-<file path=ppt/slides/slide6.xml><?xml version="1.0" encoding="utf-8"?>
+<file path=ppt/slides/slide7.xml><?xml version="1.0" encoding="utf-8"?>
 <p:sld xmlns:a="http://schemas.openxmlformats.org/drawingml/2006/main" xmlns:r="http://schemas.openxmlformats.org/officeDocument/2006/relationships" xmlns:p="http://schemas.openxmlformats.org/presentationml/2006/main">
   <p:cSld>
     <p:spTree>
@@ -5951,7 +6472,7 @@
           <a:p>
             <a:fld id="{64B786DF-79B9-4B70-985F-88F544DCD793}" type="slidenum">
               <a:rPr lang="sk-SK" smtClean="0"/>
-              <a:t>6</a:t>
+              <a:t>7</a:t>
             </a:fld>
             <a:r>
               <a:rPr lang="sk-SK" dirty="0"/>
@@ -6155,7 +6676,7 @@
 </p:sld>
 </file>
 
-<file path=ppt/slides/slide7.xml><?xml version="1.0" encoding="utf-8"?>
+<file path=ppt/slides/slide8.xml><?xml version="1.0" encoding="utf-8"?>
 <p:sld xmlns:a="http://schemas.openxmlformats.org/drawingml/2006/main" xmlns:r="http://schemas.openxmlformats.org/officeDocument/2006/relationships" xmlns:p="http://schemas.openxmlformats.org/presentationml/2006/main">
   <p:cSld>
     <p:spTree>
